--- a/Jenkins_CICD.pptx
+++ b/Jenkins_CICD.pptx
@@ -1655,6 +1655,753 @@
     <dgm:fillClrLst meth="repeat">
       <a:schemeClr val="accent4">
         <a:tint val="40000"/>
+      </a:schemeClr>
+    </dgm:fillClrLst>
+    <dgm:linClrLst meth="repeat">
+      <a:schemeClr val="lt1"/>
+    </dgm:linClrLst>
+    <dgm:effectClrLst/>
+    <dgm:txLinClrLst/>
+    <dgm:txFillClrLst meth="repeat">
+      <a:schemeClr val="dk1"/>
+    </dgm:txFillClrLst>
+    <dgm:txEffectClrLst/>
+  </dgm:styleLbl>
+  <dgm:styleLbl name="revTx">
+    <dgm:fillClrLst meth="repeat">
+      <a:schemeClr val="lt1">
+        <a:alpha val="0"/>
+      </a:schemeClr>
+    </dgm:fillClrLst>
+    <dgm:linClrLst meth="repeat">
+      <a:schemeClr val="dk1">
+        <a:alpha val="0"/>
+      </a:schemeClr>
+    </dgm:linClrLst>
+    <dgm:effectClrLst/>
+    <dgm:txLinClrLst/>
+    <dgm:txFillClrLst meth="repeat">
+      <a:schemeClr val="tx1"/>
+    </dgm:txFillClrLst>
+    <dgm:txEffectClrLst/>
+  </dgm:styleLbl>
+</dgm:colorsDef>
+</file>
+
+<file path=ppt/diagrams/colors3.xml><?xml version="1.0" encoding="utf-8"?>
+<dgm:colorsDef xmlns:dgm="http://schemas.openxmlformats.org/drawingml/2006/diagram" xmlns:a="http://schemas.openxmlformats.org/drawingml/2006/main" uniqueId="urn:microsoft.com/office/officeart/2005/8/colors/accent1_2">
+  <dgm:title val=""/>
+  <dgm:desc val=""/>
+  <dgm:catLst>
+    <dgm:cat type="accent1" pri="11200"/>
+  </dgm:catLst>
+  <dgm:styleLbl name="node0">
+    <dgm:fillClrLst meth="repeat">
+      <a:schemeClr val="accent1"/>
+    </dgm:fillClrLst>
+    <dgm:linClrLst meth="repeat">
+      <a:schemeClr val="lt1"/>
+    </dgm:linClrLst>
+    <dgm:effectClrLst/>
+    <dgm:txLinClrLst/>
+    <dgm:txFillClrLst/>
+    <dgm:txEffectClrLst/>
+  </dgm:styleLbl>
+  <dgm:styleLbl name="alignNode1">
+    <dgm:fillClrLst meth="repeat">
+      <a:schemeClr val="accent1"/>
+    </dgm:fillClrLst>
+    <dgm:linClrLst meth="repeat">
+      <a:schemeClr val="accent1"/>
+    </dgm:linClrLst>
+    <dgm:effectClrLst/>
+    <dgm:txLinClrLst/>
+    <dgm:txFillClrLst/>
+    <dgm:txEffectClrLst/>
+  </dgm:styleLbl>
+  <dgm:styleLbl name="node1">
+    <dgm:fillClrLst meth="repeat">
+      <a:schemeClr val="accent1"/>
+    </dgm:fillClrLst>
+    <dgm:linClrLst meth="repeat">
+      <a:schemeClr val="lt1"/>
+    </dgm:linClrLst>
+    <dgm:effectClrLst/>
+    <dgm:txLinClrLst/>
+    <dgm:txFillClrLst/>
+    <dgm:txEffectClrLst/>
+  </dgm:styleLbl>
+  <dgm:styleLbl name="lnNode1">
+    <dgm:fillClrLst meth="repeat">
+      <a:schemeClr val="accent1"/>
+    </dgm:fillClrLst>
+    <dgm:linClrLst meth="repeat">
+      <a:schemeClr val="lt1"/>
+    </dgm:linClrLst>
+    <dgm:effectClrLst/>
+    <dgm:txLinClrLst/>
+    <dgm:txFillClrLst/>
+    <dgm:txEffectClrLst/>
+  </dgm:styleLbl>
+  <dgm:styleLbl name="vennNode1">
+    <dgm:fillClrLst meth="repeat">
+      <a:schemeClr val="accent1">
+        <a:alpha val="50000"/>
+      </a:schemeClr>
+    </dgm:fillClrLst>
+    <dgm:linClrLst meth="repeat">
+      <a:schemeClr val="lt1"/>
+    </dgm:linClrLst>
+    <dgm:effectClrLst/>
+    <dgm:txLinClrLst/>
+    <dgm:txFillClrLst/>
+    <dgm:txEffectClrLst/>
+  </dgm:styleLbl>
+  <dgm:styleLbl name="node2">
+    <dgm:fillClrLst meth="repeat">
+      <a:schemeClr val="accent1"/>
+    </dgm:fillClrLst>
+    <dgm:linClrLst meth="repeat">
+      <a:schemeClr val="lt1"/>
+    </dgm:linClrLst>
+    <dgm:effectClrLst/>
+    <dgm:txLinClrLst/>
+    <dgm:txFillClrLst/>
+    <dgm:txEffectClrLst/>
+  </dgm:styleLbl>
+  <dgm:styleLbl name="node3">
+    <dgm:fillClrLst meth="repeat">
+      <a:schemeClr val="accent1"/>
+    </dgm:fillClrLst>
+    <dgm:linClrLst meth="repeat">
+      <a:schemeClr val="lt1"/>
+    </dgm:linClrLst>
+    <dgm:effectClrLst/>
+    <dgm:txLinClrLst/>
+    <dgm:txFillClrLst/>
+    <dgm:txEffectClrLst/>
+  </dgm:styleLbl>
+  <dgm:styleLbl name="node4">
+    <dgm:fillClrLst meth="repeat">
+      <a:schemeClr val="accent1"/>
+    </dgm:fillClrLst>
+    <dgm:linClrLst meth="repeat">
+      <a:schemeClr val="lt1"/>
+    </dgm:linClrLst>
+    <dgm:effectClrLst/>
+    <dgm:txLinClrLst/>
+    <dgm:txFillClrLst/>
+    <dgm:txEffectClrLst/>
+  </dgm:styleLbl>
+  <dgm:styleLbl name="fgImgPlace1">
+    <dgm:fillClrLst meth="repeat">
+      <a:schemeClr val="accent1">
+        <a:tint val="50000"/>
+      </a:schemeClr>
+    </dgm:fillClrLst>
+    <dgm:linClrLst meth="repeat">
+      <a:schemeClr val="lt1"/>
+    </dgm:linClrLst>
+    <dgm:effectClrLst/>
+    <dgm:txLinClrLst/>
+    <dgm:txFillClrLst meth="repeat">
+      <a:schemeClr val="lt1"/>
+    </dgm:txFillClrLst>
+    <dgm:txEffectClrLst/>
+  </dgm:styleLbl>
+  <dgm:styleLbl name="alignImgPlace1">
+    <dgm:fillClrLst meth="repeat">
+      <a:schemeClr val="accent1">
+        <a:tint val="50000"/>
+      </a:schemeClr>
+    </dgm:fillClrLst>
+    <dgm:linClrLst meth="repeat">
+      <a:schemeClr val="lt1"/>
+    </dgm:linClrLst>
+    <dgm:effectClrLst/>
+    <dgm:txLinClrLst/>
+    <dgm:txFillClrLst meth="repeat">
+      <a:schemeClr val="lt1"/>
+    </dgm:txFillClrLst>
+    <dgm:txEffectClrLst/>
+  </dgm:styleLbl>
+  <dgm:styleLbl name="bgImgPlace1">
+    <dgm:fillClrLst meth="repeat">
+      <a:schemeClr val="accent1">
+        <a:tint val="50000"/>
+      </a:schemeClr>
+    </dgm:fillClrLst>
+    <dgm:linClrLst meth="repeat">
+      <a:schemeClr val="lt1"/>
+    </dgm:linClrLst>
+    <dgm:effectClrLst/>
+    <dgm:txLinClrLst/>
+    <dgm:txFillClrLst meth="repeat">
+      <a:schemeClr val="lt1"/>
+    </dgm:txFillClrLst>
+    <dgm:txEffectClrLst/>
+  </dgm:styleLbl>
+  <dgm:styleLbl name="sibTrans2D1">
+    <dgm:fillClrLst meth="repeat">
+      <a:schemeClr val="accent1">
+        <a:tint val="60000"/>
+      </a:schemeClr>
+    </dgm:fillClrLst>
+    <dgm:linClrLst meth="repeat">
+      <a:schemeClr val="accent1">
+        <a:tint val="60000"/>
+      </a:schemeClr>
+    </dgm:linClrLst>
+    <dgm:effectClrLst/>
+    <dgm:txLinClrLst/>
+    <dgm:txFillClrLst/>
+    <dgm:txEffectClrLst/>
+  </dgm:styleLbl>
+  <dgm:styleLbl name="fgSibTrans2D1">
+    <dgm:fillClrLst meth="repeat">
+      <a:schemeClr val="accent1">
+        <a:tint val="60000"/>
+      </a:schemeClr>
+    </dgm:fillClrLst>
+    <dgm:linClrLst meth="repeat">
+      <a:schemeClr val="accent1">
+        <a:tint val="60000"/>
+      </a:schemeClr>
+    </dgm:linClrLst>
+    <dgm:effectClrLst/>
+    <dgm:txLinClrLst/>
+    <dgm:txFillClrLst/>
+    <dgm:txEffectClrLst/>
+  </dgm:styleLbl>
+  <dgm:styleLbl name="bgSibTrans2D1">
+    <dgm:fillClrLst meth="repeat">
+      <a:schemeClr val="accent1">
+        <a:tint val="60000"/>
+      </a:schemeClr>
+    </dgm:fillClrLst>
+    <dgm:linClrLst meth="repeat">
+      <a:schemeClr val="accent1">
+        <a:tint val="60000"/>
+      </a:schemeClr>
+    </dgm:linClrLst>
+    <dgm:effectClrLst/>
+    <dgm:txLinClrLst/>
+    <dgm:txFillClrLst/>
+    <dgm:txEffectClrLst/>
+  </dgm:styleLbl>
+  <dgm:styleLbl name="sibTrans1D1">
+    <dgm:fillClrLst meth="repeat">
+      <a:schemeClr val="accent1"/>
+    </dgm:fillClrLst>
+    <dgm:linClrLst meth="repeat">
+      <a:schemeClr val="accent1"/>
+    </dgm:linClrLst>
+    <dgm:effectClrLst/>
+    <dgm:txLinClrLst/>
+    <dgm:txFillClrLst meth="repeat">
+      <a:schemeClr val="tx1"/>
+    </dgm:txFillClrLst>
+    <dgm:txEffectClrLst/>
+  </dgm:styleLbl>
+  <dgm:styleLbl name="callout">
+    <dgm:fillClrLst meth="repeat">
+      <a:schemeClr val="accent1"/>
+    </dgm:fillClrLst>
+    <dgm:linClrLst meth="repeat">
+      <a:schemeClr val="accent1">
+        <a:tint val="50000"/>
+      </a:schemeClr>
+    </dgm:linClrLst>
+    <dgm:effectClrLst/>
+    <dgm:txLinClrLst/>
+    <dgm:txFillClrLst meth="repeat">
+      <a:schemeClr val="tx1"/>
+    </dgm:txFillClrLst>
+    <dgm:txEffectClrLst/>
+  </dgm:styleLbl>
+  <dgm:styleLbl name="asst0">
+    <dgm:fillClrLst meth="repeat">
+      <a:schemeClr val="accent1"/>
+    </dgm:fillClrLst>
+    <dgm:linClrLst meth="repeat">
+      <a:schemeClr val="lt1"/>
+    </dgm:linClrLst>
+    <dgm:effectClrLst/>
+    <dgm:txLinClrLst/>
+    <dgm:txFillClrLst/>
+    <dgm:txEffectClrLst/>
+  </dgm:styleLbl>
+  <dgm:styleLbl name="asst1">
+    <dgm:fillClrLst meth="repeat">
+      <a:schemeClr val="accent1"/>
+    </dgm:fillClrLst>
+    <dgm:linClrLst meth="repeat">
+      <a:schemeClr val="lt1"/>
+    </dgm:linClrLst>
+    <dgm:effectClrLst/>
+    <dgm:txLinClrLst/>
+    <dgm:txFillClrLst/>
+    <dgm:txEffectClrLst/>
+  </dgm:styleLbl>
+  <dgm:styleLbl name="asst2">
+    <dgm:fillClrLst meth="repeat">
+      <a:schemeClr val="accent1"/>
+    </dgm:fillClrLst>
+    <dgm:linClrLst meth="repeat">
+      <a:schemeClr val="lt1"/>
+    </dgm:linClrLst>
+    <dgm:effectClrLst/>
+    <dgm:txLinClrLst/>
+    <dgm:txFillClrLst/>
+    <dgm:txEffectClrLst/>
+  </dgm:styleLbl>
+  <dgm:styleLbl name="asst3">
+    <dgm:fillClrLst meth="repeat">
+      <a:schemeClr val="accent1"/>
+    </dgm:fillClrLst>
+    <dgm:linClrLst meth="repeat">
+      <a:schemeClr val="lt1"/>
+    </dgm:linClrLst>
+    <dgm:effectClrLst/>
+    <dgm:txLinClrLst/>
+    <dgm:txFillClrLst/>
+    <dgm:txEffectClrLst/>
+  </dgm:styleLbl>
+  <dgm:styleLbl name="asst4">
+    <dgm:fillClrLst meth="repeat">
+      <a:schemeClr val="accent1"/>
+    </dgm:fillClrLst>
+    <dgm:linClrLst meth="repeat">
+      <a:schemeClr val="lt1"/>
+    </dgm:linClrLst>
+    <dgm:effectClrLst/>
+    <dgm:txLinClrLst/>
+    <dgm:txFillClrLst/>
+    <dgm:txEffectClrLst/>
+  </dgm:styleLbl>
+  <dgm:styleLbl name="parChTrans2D1">
+    <dgm:fillClrLst meth="repeat">
+      <a:schemeClr val="accent1">
+        <a:tint val="60000"/>
+      </a:schemeClr>
+    </dgm:fillClrLst>
+    <dgm:linClrLst meth="repeat">
+      <a:schemeClr val="accent1">
+        <a:tint val="60000"/>
+      </a:schemeClr>
+    </dgm:linClrLst>
+    <dgm:effectClrLst/>
+    <dgm:txLinClrLst/>
+    <dgm:txFillClrLst meth="repeat">
+      <a:schemeClr val="lt1"/>
+    </dgm:txFillClrLst>
+    <dgm:txEffectClrLst/>
+  </dgm:styleLbl>
+  <dgm:styleLbl name="parChTrans2D2">
+    <dgm:fillClrLst meth="repeat">
+      <a:schemeClr val="accent1"/>
+    </dgm:fillClrLst>
+    <dgm:linClrLst meth="repeat">
+      <a:schemeClr val="accent1"/>
+    </dgm:linClrLst>
+    <dgm:effectClrLst/>
+    <dgm:txLinClrLst/>
+    <dgm:txFillClrLst meth="repeat">
+      <a:schemeClr val="lt1"/>
+    </dgm:txFillClrLst>
+    <dgm:txEffectClrLst/>
+  </dgm:styleLbl>
+  <dgm:styleLbl name="parChTrans2D3">
+    <dgm:fillClrLst meth="repeat">
+      <a:schemeClr val="accent1"/>
+    </dgm:fillClrLst>
+    <dgm:linClrLst meth="repeat">
+      <a:schemeClr val="accent1"/>
+    </dgm:linClrLst>
+    <dgm:effectClrLst/>
+    <dgm:txLinClrLst/>
+    <dgm:txFillClrLst meth="repeat">
+      <a:schemeClr val="lt1"/>
+    </dgm:txFillClrLst>
+    <dgm:txEffectClrLst/>
+  </dgm:styleLbl>
+  <dgm:styleLbl name="parChTrans2D4">
+    <dgm:fillClrLst meth="repeat">
+      <a:schemeClr val="accent1"/>
+    </dgm:fillClrLst>
+    <dgm:linClrLst meth="repeat">
+      <a:schemeClr val="accent1"/>
+    </dgm:linClrLst>
+    <dgm:effectClrLst/>
+    <dgm:txLinClrLst/>
+    <dgm:txFillClrLst meth="repeat">
+      <a:schemeClr val="lt1"/>
+    </dgm:txFillClrLst>
+    <dgm:txEffectClrLst/>
+  </dgm:styleLbl>
+  <dgm:styleLbl name="parChTrans1D1">
+    <dgm:fillClrLst meth="repeat">
+      <a:schemeClr val="accent1"/>
+    </dgm:fillClrLst>
+    <dgm:linClrLst meth="repeat">
+      <a:schemeClr val="accent1">
+        <a:shade val="60000"/>
+      </a:schemeClr>
+    </dgm:linClrLst>
+    <dgm:effectClrLst/>
+    <dgm:txLinClrLst/>
+    <dgm:txFillClrLst meth="repeat">
+      <a:schemeClr val="tx1"/>
+    </dgm:txFillClrLst>
+    <dgm:txEffectClrLst/>
+  </dgm:styleLbl>
+  <dgm:styleLbl name="parChTrans1D2">
+    <dgm:fillClrLst meth="repeat">
+      <a:schemeClr val="accent1"/>
+    </dgm:fillClrLst>
+    <dgm:linClrLst meth="repeat">
+      <a:schemeClr val="accent1">
+        <a:shade val="60000"/>
+      </a:schemeClr>
+    </dgm:linClrLst>
+    <dgm:effectClrLst/>
+    <dgm:txLinClrLst/>
+    <dgm:txFillClrLst meth="repeat">
+      <a:schemeClr val="tx1"/>
+    </dgm:txFillClrLst>
+    <dgm:txEffectClrLst/>
+  </dgm:styleLbl>
+  <dgm:styleLbl name="parChTrans1D3">
+    <dgm:fillClrLst meth="repeat">
+      <a:schemeClr val="accent1"/>
+    </dgm:fillClrLst>
+    <dgm:linClrLst meth="repeat">
+      <a:schemeClr val="accent1">
+        <a:shade val="80000"/>
+      </a:schemeClr>
+    </dgm:linClrLst>
+    <dgm:effectClrLst/>
+    <dgm:txLinClrLst/>
+    <dgm:txFillClrLst meth="repeat">
+      <a:schemeClr val="tx1"/>
+    </dgm:txFillClrLst>
+    <dgm:txEffectClrLst/>
+  </dgm:styleLbl>
+  <dgm:styleLbl name="parChTrans1D4">
+    <dgm:fillClrLst meth="repeat">
+      <a:schemeClr val="accent1"/>
+    </dgm:fillClrLst>
+    <dgm:linClrLst meth="repeat">
+      <a:schemeClr val="accent1">
+        <a:shade val="80000"/>
+      </a:schemeClr>
+    </dgm:linClrLst>
+    <dgm:effectClrLst/>
+    <dgm:txLinClrLst/>
+    <dgm:txFillClrLst meth="repeat">
+      <a:schemeClr val="tx1"/>
+    </dgm:txFillClrLst>
+    <dgm:txEffectClrLst/>
+  </dgm:styleLbl>
+  <dgm:styleLbl name="fgAcc1">
+    <dgm:fillClrLst meth="repeat">
+      <a:schemeClr val="lt1">
+        <a:alpha val="90000"/>
+      </a:schemeClr>
+    </dgm:fillClrLst>
+    <dgm:linClrLst meth="repeat">
+      <a:schemeClr val="accent1"/>
+    </dgm:linClrLst>
+    <dgm:effectClrLst/>
+    <dgm:txLinClrLst/>
+    <dgm:txFillClrLst meth="repeat">
+      <a:schemeClr val="dk1"/>
+    </dgm:txFillClrLst>
+    <dgm:txEffectClrLst/>
+  </dgm:styleLbl>
+  <dgm:styleLbl name="conFgAcc1">
+    <dgm:fillClrLst meth="repeat">
+      <a:schemeClr val="lt1">
+        <a:alpha val="90000"/>
+      </a:schemeClr>
+    </dgm:fillClrLst>
+    <dgm:linClrLst meth="repeat">
+      <a:schemeClr val="accent1"/>
+    </dgm:linClrLst>
+    <dgm:effectClrLst/>
+    <dgm:txLinClrLst/>
+    <dgm:txFillClrLst meth="repeat">
+      <a:schemeClr val="dk1"/>
+    </dgm:txFillClrLst>
+    <dgm:txEffectClrLst/>
+  </dgm:styleLbl>
+  <dgm:styleLbl name="alignAcc1">
+    <dgm:fillClrLst meth="repeat">
+      <a:schemeClr val="lt1">
+        <a:alpha val="90000"/>
+      </a:schemeClr>
+    </dgm:fillClrLst>
+    <dgm:linClrLst meth="repeat">
+      <a:schemeClr val="accent1"/>
+    </dgm:linClrLst>
+    <dgm:effectClrLst/>
+    <dgm:txLinClrLst/>
+    <dgm:txFillClrLst meth="repeat">
+      <a:schemeClr val="dk1"/>
+    </dgm:txFillClrLst>
+    <dgm:txEffectClrLst/>
+  </dgm:styleLbl>
+  <dgm:styleLbl name="trAlignAcc1">
+    <dgm:fillClrLst meth="repeat">
+      <a:schemeClr val="lt1">
+        <a:alpha val="40000"/>
+      </a:schemeClr>
+    </dgm:fillClrLst>
+    <dgm:linClrLst meth="repeat">
+      <a:schemeClr val="accent1"/>
+    </dgm:linClrLst>
+    <dgm:effectClrLst/>
+    <dgm:txLinClrLst/>
+    <dgm:txFillClrLst meth="repeat">
+      <a:schemeClr val="dk1"/>
+    </dgm:txFillClrLst>
+    <dgm:txEffectClrLst/>
+  </dgm:styleLbl>
+  <dgm:styleLbl name="bgAcc1">
+    <dgm:fillClrLst meth="repeat">
+      <a:schemeClr val="lt1">
+        <a:alpha val="90000"/>
+      </a:schemeClr>
+    </dgm:fillClrLst>
+    <dgm:linClrLst meth="repeat">
+      <a:schemeClr val="accent1"/>
+    </dgm:linClrLst>
+    <dgm:effectClrLst/>
+    <dgm:txLinClrLst/>
+    <dgm:txFillClrLst meth="repeat">
+      <a:schemeClr val="dk1"/>
+    </dgm:txFillClrLst>
+    <dgm:txEffectClrLst/>
+  </dgm:styleLbl>
+  <dgm:styleLbl name="solidFgAcc1">
+    <dgm:fillClrLst meth="repeat">
+      <a:schemeClr val="lt1"/>
+    </dgm:fillClrLst>
+    <dgm:linClrLst meth="repeat">
+      <a:schemeClr val="accent1"/>
+    </dgm:linClrLst>
+    <dgm:effectClrLst/>
+    <dgm:txLinClrLst/>
+    <dgm:txFillClrLst meth="repeat">
+      <a:schemeClr val="dk1"/>
+    </dgm:txFillClrLst>
+    <dgm:txEffectClrLst/>
+  </dgm:styleLbl>
+  <dgm:styleLbl name="solidAlignAcc1">
+    <dgm:fillClrLst meth="repeat">
+      <a:schemeClr val="lt1"/>
+    </dgm:fillClrLst>
+    <dgm:linClrLst meth="repeat">
+      <a:schemeClr val="accent1"/>
+    </dgm:linClrLst>
+    <dgm:effectClrLst/>
+    <dgm:txLinClrLst/>
+    <dgm:txFillClrLst meth="repeat">
+      <a:schemeClr val="dk1"/>
+    </dgm:txFillClrLst>
+    <dgm:txEffectClrLst/>
+  </dgm:styleLbl>
+  <dgm:styleLbl name="solidBgAcc1">
+    <dgm:fillClrLst meth="repeat">
+      <a:schemeClr val="lt1"/>
+    </dgm:fillClrLst>
+    <dgm:linClrLst meth="repeat">
+      <a:schemeClr val="accent1"/>
+    </dgm:linClrLst>
+    <dgm:effectClrLst/>
+    <dgm:txLinClrLst/>
+    <dgm:txFillClrLst meth="repeat">
+      <a:schemeClr val="dk1"/>
+    </dgm:txFillClrLst>
+    <dgm:txEffectClrLst/>
+  </dgm:styleLbl>
+  <dgm:styleLbl name="fgAccFollowNode1">
+    <dgm:fillClrLst meth="repeat">
+      <a:schemeClr val="accent1">
+        <a:alpha val="90000"/>
+        <a:tint val="40000"/>
+      </a:schemeClr>
+    </dgm:fillClrLst>
+    <dgm:linClrLst meth="repeat">
+      <a:schemeClr val="accent1">
+        <a:alpha val="90000"/>
+        <a:tint val="40000"/>
+      </a:schemeClr>
+    </dgm:linClrLst>
+    <dgm:effectClrLst/>
+    <dgm:txLinClrLst/>
+    <dgm:txFillClrLst meth="repeat">
+      <a:schemeClr val="dk1"/>
+    </dgm:txFillClrLst>
+    <dgm:txEffectClrLst/>
+  </dgm:styleLbl>
+  <dgm:styleLbl name="alignAccFollowNode1">
+    <dgm:fillClrLst meth="repeat">
+      <a:schemeClr val="accent1">
+        <a:alpha val="90000"/>
+        <a:tint val="40000"/>
+      </a:schemeClr>
+    </dgm:fillClrLst>
+    <dgm:linClrLst meth="repeat">
+      <a:schemeClr val="accent1">
+        <a:alpha val="90000"/>
+        <a:tint val="40000"/>
+      </a:schemeClr>
+    </dgm:linClrLst>
+    <dgm:effectClrLst/>
+    <dgm:txLinClrLst/>
+    <dgm:txFillClrLst meth="repeat">
+      <a:schemeClr val="dk1"/>
+    </dgm:txFillClrLst>
+    <dgm:txEffectClrLst/>
+  </dgm:styleLbl>
+  <dgm:styleLbl name="bgAccFollowNode1">
+    <dgm:fillClrLst meth="repeat">
+      <a:schemeClr val="accent1">
+        <a:alpha val="90000"/>
+        <a:tint val="40000"/>
+      </a:schemeClr>
+    </dgm:fillClrLst>
+    <dgm:linClrLst meth="repeat">
+      <a:schemeClr val="accent1">
+        <a:alpha val="90000"/>
+        <a:tint val="40000"/>
+      </a:schemeClr>
+    </dgm:linClrLst>
+    <dgm:effectClrLst/>
+    <dgm:txLinClrLst/>
+    <dgm:txFillClrLst meth="repeat">
+      <a:schemeClr val="dk1"/>
+    </dgm:txFillClrLst>
+    <dgm:txEffectClrLst/>
+  </dgm:styleLbl>
+  <dgm:styleLbl name="fgAcc0">
+    <dgm:fillClrLst meth="repeat">
+      <a:schemeClr val="lt1">
+        <a:alpha val="90000"/>
+      </a:schemeClr>
+    </dgm:fillClrLst>
+    <dgm:linClrLst meth="repeat">
+      <a:schemeClr val="accent1"/>
+    </dgm:linClrLst>
+    <dgm:effectClrLst/>
+    <dgm:txLinClrLst/>
+    <dgm:txFillClrLst meth="repeat">
+      <a:schemeClr val="dk1"/>
+    </dgm:txFillClrLst>
+    <dgm:txEffectClrLst/>
+  </dgm:styleLbl>
+  <dgm:styleLbl name="fgAcc2">
+    <dgm:fillClrLst meth="repeat">
+      <a:schemeClr val="lt1">
+        <a:alpha val="90000"/>
+      </a:schemeClr>
+    </dgm:fillClrLst>
+    <dgm:linClrLst meth="repeat">
+      <a:schemeClr val="accent1"/>
+    </dgm:linClrLst>
+    <dgm:effectClrLst/>
+    <dgm:txLinClrLst/>
+    <dgm:txFillClrLst meth="repeat">
+      <a:schemeClr val="dk1"/>
+    </dgm:txFillClrLst>
+    <dgm:txEffectClrLst/>
+  </dgm:styleLbl>
+  <dgm:styleLbl name="fgAcc3">
+    <dgm:fillClrLst meth="repeat">
+      <a:schemeClr val="lt1">
+        <a:alpha val="90000"/>
+      </a:schemeClr>
+    </dgm:fillClrLst>
+    <dgm:linClrLst meth="repeat">
+      <a:schemeClr val="accent1"/>
+    </dgm:linClrLst>
+    <dgm:effectClrLst/>
+    <dgm:txLinClrLst/>
+    <dgm:txFillClrLst meth="repeat">
+      <a:schemeClr val="dk1"/>
+    </dgm:txFillClrLst>
+    <dgm:txEffectClrLst/>
+  </dgm:styleLbl>
+  <dgm:styleLbl name="fgAcc4">
+    <dgm:fillClrLst meth="repeat">
+      <a:schemeClr val="lt1">
+        <a:alpha val="90000"/>
+      </a:schemeClr>
+    </dgm:fillClrLst>
+    <dgm:linClrLst meth="repeat">
+      <a:schemeClr val="accent1"/>
+    </dgm:linClrLst>
+    <dgm:effectClrLst/>
+    <dgm:txLinClrLst/>
+    <dgm:txFillClrLst meth="repeat">
+      <a:schemeClr val="dk1"/>
+    </dgm:txFillClrLst>
+    <dgm:txEffectClrLst/>
+  </dgm:styleLbl>
+  <dgm:styleLbl name="bgShp">
+    <dgm:fillClrLst meth="repeat">
+      <a:schemeClr val="accent1">
+        <a:tint val="40000"/>
+      </a:schemeClr>
+    </dgm:fillClrLst>
+    <dgm:linClrLst meth="repeat">
+      <a:schemeClr val="accent1"/>
+    </dgm:linClrLst>
+    <dgm:effectClrLst/>
+    <dgm:txLinClrLst/>
+    <dgm:txFillClrLst meth="repeat">
+      <a:schemeClr val="dk1"/>
+    </dgm:txFillClrLst>
+    <dgm:txEffectClrLst/>
+  </dgm:styleLbl>
+  <dgm:styleLbl name="dkBgShp">
+    <dgm:fillClrLst meth="repeat">
+      <a:schemeClr val="accent1">
+        <a:shade val="80000"/>
+      </a:schemeClr>
+    </dgm:fillClrLst>
+    <dgm:linClrLst meth="repeat">
+      <a:schemeClr val="accent1"/>
+    </dgm:linClrLst>
+    <dgm:effectClrLst/>
+    <dgm:txLinClrLst/>
+    <dgm:txFillClrLst meth="repeat">
+      <a:schemeClr val="lt1"/>
+    </dgm:txFillClrLst>
+    <dgm:txEffectClrLst/>
+  </dgm:styleLbl>
+  <dgm:styleLbl name="trBgShp">
+    <dgm:fillClrLst meth="repeat">
+      <a:schemeClr val="accent1">
+        <a:tint val="50000"/>
+        <a:alpha val="40000"/>
+      </a:schemeClr>
+    </dgm:fillClrLst>
+    <dgm:linClrLst meth="repeat">
+      <a:schemeClr val="accent1"/>
+    </dgm:linClrLst>
+    <dgm:effectClrLst/>
+    <dgm:txLinClrLst/>
+    <dgm:txFillClrLst meth="repeat">
+      <a:schemeClr val="lt1"/>
+    </dgm:txFillClrLst>
+    <dgm:txEffectClrLst/>
+  </dgm:styleLbl>
+  <dgm:styleLbl name="fgShp">
+    <dgm:fillClrLst meth="repeat">
+      <a:schemeClr val="accent1">
+        <a:tint val="60000"/>
       </a:schemeClr>
     </dgm:fillClrLst>
     <dgm:linClrLst meth="repeat">
@@ -2002,7 +2749,7 @@
 <dgm:dataModel xmlns:dgm="http://schemas.openxmlformats.org/drawingml/2006/diagram" xmlns:a="http://schemas.openxmlformats.org/drawingml/2006/main">
   <dgm:ptLst>
     <dgm:pt modelId="{31EDCA56-853E-4869-ABD5-5489F127842B}" type="doc">
-      <dgm:prSet loTypeId="urn:microsoft.com/office/officeart/2005/8/layout/process5" loCatId="process" qsTypeId="urn:microsoft.com/office/officeart/2005/8/quickstyle/3d3" qsCatId="3D" csTypeId="urn:microsoft.com/office/officeart/2005/8/colors/colorful4" csCatId="colorful"/>
+      <dgm:prSet loTypeId="urn:microsoft.com/office/officeart/2005/8/layout/process5" loCatId="process" qsTypeId="urn:microsoft.com/office/officeart/2005/8/quickstyle/3d3" qsCatId="3D" csTypeId="urn:microsoft.com/office/officeart/2005/8/colors/colorful4" csCatId="colorful" phldr="1"/>
       <dgm:spPr/>
       <dgm:t>
         <a:bodyPr/>
@@ -2056,7 +2803,7 @@
         <a:lstStyle/>
         <a:p>
           <a:r>
-            <a:rPr lang="en-IN"/>
+            <a:rPr lang="en-IN" dirty="0"/>
             <a:t>Remove old containers</a:t>
           </a:r>
         </a:p>
@@ -2092,7 +2839,7 @@
         <a:lstStyle/>
         <a:p>
           <a:r>
-            <a:rPr lang="en-IN"/>
+            <a:rPr lang="en-IN" dirty="0"/>
             <a:t>Build deployment image</a:t>
           </a:r>
         </a:p>
@@ -2164,7 +2911,7 @@
         <a:lstStyle/>
         <a:p>
           <a:r>
-            <a:rPr lang="en-IN"/>
+            <a:rPr lang="en-IN" dirty="0"/>
             <a:t>Deploy website on containers</a:t>
           </a:r>
         </a:p>
@@ -2200,7 +2947,7 @@
         <a:lstStyle/>
         <a:p>
           <a:r>
-            <a:rPr lang="en-IN"/>
+            <a:rPr lang="en-IN" dirty="0"/>
             <a:t>Test the website</a:t>
           </a:r>
         </a:p>
@@ -2302,7 +3049,7 @@
       <dgm:spPr/>
     </dgm:pt>
     <dgm:pt modelId="{EA872D22-DB54-4107-8EC6-09ABCDE9B1F1}" type="pres">
-      <dgm:prSet presAssocID="{95D0F576-64A1-4F10-BA5B-126760EF82F8}" presName="node" presStyleLbl="node1" presStyleIdx="4" presStyleCnt="6">
+      <dgm:prSet presAssocID="{95D0F576-64A1-4F10-BA5B-126760EF82F8}" presName="node" presStyleLbl="node1" presStyleIdx="4" presStyleCnt="6" custScaleX="248224">
         <dgm:presLayoutVars>
           <dgm:bulletEnabled val="1"/>
         </dgm:presLayoutVars>
@@ -2310,7 +3057,7 @@
       <dgm:spPr/>
     </dgm:pt>
     <dgm:pt modelId="{456A9FA4-5CAB-41C8-BBD8-7050F11F6952}" type="pres">
-      <dgm:prSet presAssocID="{852DD9E0-F4BC-4AE9-A542-440068570721}" presName="sibTrans" presStyleLbl="sibTrans2D1" presStyleIdx="4" presStyleCnt="5"/>
+      <dgm:prSet presAssocID="{852DD9E0-F4BC-4AE9-A542-440068570721}" presName="sibTrans" presStyleLbl="sibTrans2D1" presStyleIdx="4" presStyleCnt="5" custScaleX="81808" custLinFactNeighborX="7177" custLinFactNeighborY="2456"/>
       <dgm:spPr/>
     </dgm:pt>
     <dgm:pt modelId="{65A79C79-D8DC-49B0-BFE4-7A6409F44777}" type="pres">
@@ -2318,7 +3065,7 @@
       <dgm:spPr/>
     </dgm:pt>
     <dgm:pt modelId="{78D807D9-2547-4433-8809-E7DD2C4531AB}" type="pres">
-      <dgm:prSet presAssocID="{D6491774-B7F4-4512-9256-9D1229BBDC18}" presName="node" presStyleLbl="node1" presStyleIdx="5" presStyleCnt="6">
+      <dgm:prSet presAssocID="{D6491774-B7F4-4512-9256-9D1229BBDC18}" presName="node" presStyleLbl="node1" presStyleIdx="5" presStyleCnt="6" custLinFactNeighborX="-11166" custLinFactNeighborY="1015">
         <dgm:presLayoutVars>
           <dgm:bulletEnabled val="1"/>
         </dgm:presLayoutVars>
@@ -2372,6 +3119,208 @@
   <dgm:extLst>
     <a:ext uri="http://schemas.microsoft.com/office/drawing/2008/diagram">
       <dsp:dataModelExt xmlns:dsp="http://schemas.microsoft.com/office/drawing/2008/diagram" relId="rId6" minVer="http://schemas.openxmlformats.org/drawingml/2006/diagram"/>
+    </a:ext>
+  </dgm:extLst>
+</dgm:dataModel>
+</file>
+
+<file path=ppt/diagrams/data3.xml><?xml version="1.0" encoding="utf-8"?>
+<dgm:dataModel xmlns:dgm="http://schemas.openxmlformats.org/drawingml/2006/diagram" xmlns:a="http://schemas.openxmlformats.org/drawingml/2006/main">
+  <dgm:ptLst>
+    <dgm:pt modelId="{A799C4DE-055B-46F3-92D6-48F22063D565}" type="doc">
+      <dgm:prSet loTypeId="urn:microsoft.com/office/officeart/2005/8/layout/process5" loCatId="process" qsTypeId="urn:microsoft.com/office/officeart/2005/8/quickstyle/3d2" qsCatId="3D" csTypeId="urn:microsoft.com/office/officeart/2005/8/colors/accent1_2" csCatId="accent1"/>
+      <dgm:spPr/>
+      <dgm:t>
+        <a:bodyPr/>
+        <a:lstStyle/>
+        <a:p>
+          <a:endParaRPr lang="en-IN"/>
+        </a:p>
+      </dgm:t>
+    </dgm:pt>
+    <dgm:pt modelId="{41B8FC10-67D2-4026-80D1-1F2C37C9A29E}">
+      <dgm:prSet/>
+      <dgm:spPr/>
+      <dgm:t>
+        <a:bodyPr/>
+        <a:lstStyle/>
+        <a:p>
+          <a:r>
+            <a:rPr lang="en-IN" dirty="0"/>
+            <a:t>Install docker</a:t>
+          </a:r>
+        </a:p>
+      </dgm:t>
+    </dgm:pt>
+    <dgm:pt modelId="{A9F4C993-5914-4E6F-8E21-19B83225663B}" type="parTrans" cxnId="{4D144C12-FC93-412C-9796-0E5575301606}">
+      <dgm:prSet/>
+      <dgm:spPr/>
+      <dgm:t>
+        <a:bodyPr/>
+        <a:lstStyle/>
+        <a:p>
+          <a:endParaRPr lang="en-IN"/>
+        </a:p>
+      </dgm:t>
+    </dgm:pt>
+    <dgm:pt modelId="{3C6B7E63-E4F0-4B2C-90A4-4EC7BA24B02F}" type="sibTrans" cxnId="{4D144C12-FC93-412C-9796-0E5575301606}">
+      <dgm:prSet/>
+      <dgm:spPr/>
+      <dgm:t>
+        <a:bodyPr/>
+        <a:lstStyle/>
+        <a:p>
+          <a:endParaRPr lang="en-IN"/>
+        </a:p>
+      </dgm:t>
+    </dgm:pt>
+    <dgm:pt modelId="{C70E6175-05A5-4EFA-9E63-6867A29B728B}">
+      <dgm:prSet/>
+      <dgm:spPr/>
+      <dgm:t>
+        <a:bodyPr/>
+        <a:lstStyle/>
+        <a:p>
+          <a:r>
+            <a:rPr lang="en-IN" dirty="0"/>
+            <a:t>Delete old containers</a:t>
+          </a:r>
+        </a:p>
+      </dgm:t>
+    </dgm:pt>
+    <dgm:pt modelId="{39E9445F-1438-4032-8895-CE558A4682DF}" type="parTrans" cxnId="{75A7FDBE-9291-494B-B899-C09BCBC51E08}">
+      <dgm:prSet/>
+      <dgm:spPr/>
+      <dgm:t>
+        <a:bodyPr/>
+        <a:lstStyle/>
+        <a:p>
+          <a:endParaRPr lang="en-IN"/>
+        </a:p>
+      </dgm:t>
+    </dgm:pt>
+    <dgm:pt modelId="{836A6E97-5C00-44AA-86DD-01A1F62D06C9}" type="sibTrans" cxnId="{75A7FDBE-9291-494B-B899-C09BCBC51E08}">
+      <dgm:prSet/>
+      <dgm:spPr/>
+      <dgm:t>
+        <a:bodyPr/>
+        <a:lstStyle/>
+        <a:p>
+          <a:endParaRPr lang="en-IN"/>
+        </a:p>
+      </dgm:t>
+    </dgm:pt>
+    <dgm:pt modelId="{1EFE0ED7-F934-475B-A29D-046FA7D4A353}">
+      <dgm:prSet/>
+      <dgm:spPr/>
+      <dgm:t>
+        <a:bodyPr/>
+        <a:lstStyle/>
+        <a:p>
+          <a:r>
+            <a:rPr lang="en-IN" dirty="0"/>
+            <a:t>Deploy containers</a:t>
+          </a:r>
+        </a:p>
+      </dgm:t>
+    </dgm:pt>
+    <dgm:pt modelId="{515AA6C1-533A-4E14-9CC3-CA7514756D5A}" type="parTrans" cxnId="{DE72C8D4-0CDE-4E2E-B648-C47102EEB2DE}">
+      <dgm:prSet/>
+      <dgm:spPr/>
+      <dgm:t>
+        <a:bodyPr/>
+        <a:lstStyle/>
+        <a:p>
+          <a:endParaRPr lang="en-IN"/>
+        </a:p>
+      </dgm:t>
+    </dgm:pt>
+    <dgm:pt modelId="{4E10A5ED-9C5A-4F3A-A7A6-B10FC08D7FCE}" type="sibTrans" cxnId="{DE72C8D4-0CDE-4E2E-B648-C47102EEB2DE}">
+      <dgm:prSet/>
+      <dgm:spPr/>
+      <dgm:t>
+        <a:bodyPr/>
+        <a:lstStyle/>
+        <a:p>
+          <a:endParaRPr lang="en-IN"/>
+        </a:p>
+      </dgm:t>
+    </dgm:pt>
+    <dgm:pt modelId="{1A16B2C1-A407-4697-AAFE-6605B88FA297}" type="pres">
+      <dgm:prSet presAssocID="{A799C4DE-055B-46F3-92D6-48F22063D565}" presName="diagram" presStyleCnt="0">
+        <dgm:presLayoutVars>
+          <dgm:dir/>
+          <dgm:resizeHandles val="exact"/>
+        </dgm:presLayoutVars>
+      </dgm:prSet>
+      <dgm:spPr/>
+    </dgm:pt>
+    <dgm:pt modelId="{1AED5503-C430-4982-9C29-EF1FE7086A97}" type="pres">
+      <dgm:prSet presAssocID="{41B8FC10-67D2-4026-80D1-1F2C37C9A29E}" presName="node" presStyleLbl="node1" presStyleIdx="0" presStyleCnt="3">
+        <dgm:presLayoutVars>
+          <dgm:bulletEnabled val="1"/>
+        </dgm:presLayoutVars>
+      </dgm:prSet>
+      <dgm:spPr/>
+    </dgm:pt>
+    <dgm:pt modelId="{0A4D5B17-6AF4-4551-8BAE-62D7EC803EFA}" type="pres">
+      <dgm:prSet presAssocID="{3C6B7E63-E4F0-4B2C-90A4-4EC7BA24B02F}" presName="sibTrans" presStyleLbl="sibTrans2D1" presStyleIdx="0" presStyleCnt="2"/>
+      <dgm:spPr/>
+    </dgm:pt>
+    <dgm:pt modelId="{03132832-D67C-45CA-A4B7-7BF8DB939C17}" type="pres">
+      <dgm:prSet presAssocID="{3C6B7E63-E4F0-4B2C-90A4-4EC7BA24B02F}" presName="connectorText" presStyleLbl="sibTrans2D1" presStyleIdx="0" presStyleCnt="2"/>
+      <dgm:spPr/>
+    </dgm:pt>
+    <dgm:pt modelId="{0123BCA2-4D42-40AD-9D08-5DB0D6C32C87}" type="pres">
+      <dgm:prSet presAssocID="{C70E6175-05A5-4EFA-9E63-6867A29B728B}" presName="node" presStyleLbl="node1" presStyleIdx="1" presStyleCnt="3">
+        <dgm:presLayoutVars>
+          <dgm:bulletEnabled val="1"/>
+        </dgm:presLayoutVars>
+      </dgm:prSet>
+      <dgm:spPr/>
+    </dgm:pt>
+    <dgm:pt modelId="{B8AE122C-E598-4F91-A50C-87B98C40694E}" type="pres">
+      <dgm:prSet presAssocID="{836A6E97-5C00-44AA-86DD-01A1F62D06C9}" presName="sibTrans" presStyleLbl="sibTrans2D1" presStyleIdx="1" presStyleCnt="2"/>
+      <dgm:spPr/>
+    </dgm:pt>
+    <dgm:pt modelId="{054B88D5-5254-4890-8718-92ADE710BB44}" type="pres">
+      <dgm:prSet presAssocID="{836A6E97-5C00-44AA-86DD-01A1F62D06C9}" presName="connectorText" presStyleLbl="sibTrans2D1" presStyleIdx="1" presStyleCnt="2"/>
+      <dgm:spPr/>
+    </dgm:pt>
+    <dgm:pt modelId="{582AF187-A2C3-45CC-8033-D677355F32A5}" type="pres">
+      <dgm:prSet presAssocID="{1EFE0ED7-F934-475B-A29D-046FA7D4A353}" presName="node" presStyleLbl="node1" presStyleIdx="2" presStyleCnt="3">
+        <dgm:presLayoutVars>
+          <dgm:bulletEnabled val="1"/>
+        </dgm:presLayoutVars>
+      </dgm:prSet>
+      <dgm:spPr/>
+    </dgm:pt>
+  </dgm:ptLst>
+  <dgm:cxnLst>
+    <dgm:cxn modelId="{4D144C12-FC93-412C-9796-0E5575301606}" srcId="{A799C4DE-055B-46F3-92D6-48F22063D565}" destId="{41B8FC10-67D2-4026-80D1-1F2C37C9A29E}" srcOrd="0" destOrd="0" parTransId="{A9F4C993-5914-4E6F-8E21-19B83225663B}" sibTransId="{3C6B7E63-E4F0-4B2C-90A4-4EC7BA24B02F}"/>
+    <dgm:cxn modelId="{C2F40F2E-AE59-4FA3-A79D-5134954A8CD3}" type="presOf" srcId="{836A6E97-5C00-44AA-86DD-01A1F62D06C9}" destId="{054B88D5-5254-4890-8718-92ADE710BB44}" srcOrd="1" destOrd="0" presId="urn:microsoft.com/office/officeart/2005/8/layout/process5"/>
+    <dgm:cxn modelId="{A1E1016E-88B2-49E6-8CC3-DE3C433F6560}" type="presOf" srcId="{3C6B7E63-E4F0-4B2C-90A4-4EC7BA24B02F}" destId="{0A4D5B17-6AF4-4551-8BAE-62D7EC803EFA}" srcOrd="0" destOrd="0" presId="urn:microsoft.com/office/officeart/2005/8/layout/process5"/>
+    <dgm:cxn modelId="{CF4DE857-13D4-42FE-AEC9-80BE27649260}" type="presOf" srcId="{1EFE0ED7-F934-475B-A29D-046FA7D4A353}" destId="{582AF187-A2C3-45CC-8033-D677355F32A5}" srcOrd="0" destOrd="0" presId="urn:microsoft.com/office/officeart/2005/8/layout/process5"/>
+    <dgm:cxn modelId="{3ED2605A-7B4F-4AD6-A7F5-7306CACED31E}" type="presOf" srcId="{41B8FC10-67D2-4026-80D1-1F2C37C9A29E}" destId="{1AED5503-C430-4982-9C29-EF1FE7086A97}" srcOrd="0" destOrd="0" presId="urn:microsoft.com/office/officeart/2005/8/layout/process5"/>
+    <dgm:cxn modelId="{75A7FDBE-9291-494B-B899-C09BCBC51E08}" srcId="{A799C4DE-055B-46F3-92D6-48F22063D565}" destId="{C70E6175-05A5-4EFA-9E63-6867A29B728B}" srcOrd="1" destOrd="0" parTransId="{39E9445F-1438-4032-8895-CE558A4682DF}" sibTransId="{836A6E97-5C00-44AA-86DD-01A1F62D06C9}"/>
+    <dgm:cxn modelId="{B43977C4-01FF-4432-ABCC-46DE6F3CF46A}" type="presOf" srcId="{3C6B7E63-E4F0-4B2C-90A4-4EC7BA24B02F}" destId="{03132832-D67C-45CA-A4B7-7BF8DB939C17}" srcOrd="1" destOrd="0" presId="urn:microsoft.com/office/officeart/2005/8/layout/process5"/>
+    <dgm:cxn modelId="{29AC64CB-DC91-428F-9D49-F77449EAC775}" type="presOf" srcId="{C70E6175-05A5-4EFA-9E63-6867A29B728B}" destId="{0123BCA2-4D42-40AD-9D08-5DB0D6C32C87}" srcOrd="0" destOrd="0" presId="urn:microsoft.com/office/officeart/2005/8/layout/process5"/>
+    <dgm:cxn modelId="{DE72C8D4-0CDE-4E2E-B648-C47102EEB2DE}" srcId="{A799C4DE-055B-46F3-92D6-48F22063D565}" destId="{1EFE0ED7-F934-475B-A29D-046FA7D4A353}" srcOrd="2" destOrd="0" parTransId="{515AA6C1-533A-4E14-9CC3-CA7514756D5A}" sibTransId="{4E10A5ED-9C5A-4F3A-A7A6-B10FC08D7FCE}"/>
+    <dgm:cxn modelId="{A838C7D8-D11A-40D7-B662-34CFD1909DA2}" type="presOf" srcId="{836A6E97-5C00-44AA-86DD-01A1F62D06C9}" destId="{B8AE122C-E598-4F91-A50C-87B98C40694E}" srcOrd="0" destOrd="0" presId="urn:microsoft.com/office/officeart/2005/8/layout/process5"/>
+    <dgm:cxn modelId="{DA13E3EF-3A07-4C81-819F-A21FA20467C3}" type="presOf" srcId="{A799C4DE-055B-46F3-92D6-48F22063D565}" destId="{1A16B2C1-A407-4697-AAFE-6605B88FA297}" srcOrd="0" destOrd="0" presId="urn:microsoft.com/office/officeart/2005/8/layout/process5"/>
+    <dgm:cxn modelId="{9942B126-27F6-431B-8A32-88B621B529E9}" type="presParOf" srcId="{1A16B2C1-A407-4697-AAFE-6605B88FA297}" destId="{1AED5503-C430-4982-9C29-EF1FE7086A97}" srcOrd="0" destOrd="0" presId="urn:microsoft.com/office/officeart/2005/8/layout/process5"/>
+    <dgm:cxn modelId="{643B7C72-8A4E-46EB-818B-1170A8189F31}" type="presParOf" srcId="{1A16B2C1-A407-4697-AAFE-6605B88FA297}" destId="{0A4D5B17-6AF4-4551-8BAE-62D7EC803EFA}" srcOrd="1" destOrd="0" presId="urn:microsoft.com/office/officeart/2005/8/layout/process5"/>
+    <dgm:cxn modelId="{EF78813D-7E1A-4230-A207-027E3683F3C0}" type="presParOf" srcId="{0A4D5B17-6AF4-4551-8BAE-62D7EC803EFA}" destId="{03132832-D67C-45CA-A4B7-7BF8DB939C17}" srcOrd="0" destOrd="0" presId="urn:microsoft.com/office/officeart/2005/8/layout/process5"/>
+    <dgm:cxn modelId="{90E4FE82-9328-46AF-8DFC-51C59BE35E8A}" type="presParOf" srcId="{1A16B2C1-A407-4697-AAFE-6605B88FA297}" destId="{0123BCA2-4D42-40AD-9D08-5DB0D6C32C87}" srcOrd="2" destOrd="0" presId="urn:microsoft.com/office/officeart/2005/8/layout/process5"/>
+    <dgm:cxn modelId="{DBBFBB2A-392E-4CB9-94AA-B548AC696D4C}" type="presParOf" srcId="{1A16B2C1-A407-4697-AAFE-6605B88FA297}" destId="{B8AE122C-E598-4F91-A50C-87B98C40694E}" srcOrd="3" destOrd="0" presId="urn:microsoft.com/office/officeart/2005/8/layout/process5"/>
+    <dgm:cxn modelId="{0FC88878-87DE-4256-9100-2243A6A84EB9}" type="presParOf" srcId="{B8AE122C-E598-4F91-A50C-87B98C40694E}" destId="{054B88D5-5254-4890-8718-92ADE710BB44}" srcOrd="0" destOrd="0" presId="urn:microsoft.com/office/officeart/2005/8/layout/process5"/>
+    <dgm:cxn modelId="{A0907B50-EAC0-406C-BA3D-99F178AD4744}" type="presParOf" srcId="{1A16B2C1-A407-4697-AAFE-6605B88FA297}" destId="{582AF187-A2C3-45CC-8033-D677355F32A5}" srcOrd="4" destOrd="0" presId="urn:microsoft.com/office/officeart/2005/8/layout/process5"/>
+  </dgm:cxnLst>
+  <dgm:bg/>
+  <dgm:whole/>
+  <dgm:extLst>
+    <a:ext uri="http://schemas.microsoft.com/office/drawing/2008/diagram">
+      <dsp:dataModelExt xmlns:dsp="http://schemas.microsoft.com/office/drawing/2008/diagram" relId="rId11" minVer="http://schemas.openxmlformats.org/drawingml/2006/diagram"/>
     </a:ext>
   </dgm:extLst>
 </dgm:dataModel>
@@ -2814,8 +3763,8 @@
       </dsp:nvSpPr>
       <dsp:spPr>
         <a:xfrm>
-          <a:off x="21285" y="624"/>
-          <a:ext cx="1738299" cy="1042979"/>
+          <a:off x="649645" y="1529"/>
+          <a:ext cx="1496622" cy="897973"/>
         </a:xfrm>
         <a:prstGeom prst="roundRect">
           <a:avLst>
@@ -2862,12 +3811,12 @@
         </a:fontRef>
       </dsp:style>
       <dsp:txBody>
-        <a:bodyPr spcFirstLastPara="0" vert="horz" wrap="square" lIns="72390" tIns="72390" rIns="72390" bIns="72390" numCol="1" spcCol="1270" anchor="ctr" anchorCtr="0">
+        <a:bodyPr spcFirstLastPara="0" vert="horz" wrap="square" lIns="64770" tIns="64770" rIns="64770" bIns="64770" numCol="1" spcCol="1270" anchor="ctr" anchorCtr="0">
           <a:noAutofit/>
         </a:bodyPr>
         <a:lstStyle/>
         <a:p>
-          <a:pPr marL="0" lvl="0" indent="0" algn="ctr" defTabSz="844550">
+          <a:pPr marL="0" lvl="0" indent="0" algn="ctr" defTabSz="755650">
             <a:lnSpc>
               <a:spcPct val="90000"/>
             </a:lnSpc>
@@ -2880,14 +3829,14 @@
             <a:buNone/>
           </a:pPr>
           <a:r>
-            <a:rPr lang="en-IN" sz="1900" kern="1200"/>
+            <a:rPr lang="en-IN" sz="1700" kern="1200"/>
             <a:t>SCM checkout</a:t>
           </a:r>
         </a:p>
       </dsp:txBody>
       <dsp:txXfrm>
-        <a:off x="51833" y="31172"/>
-        <a:ext cx="1677203" cy="981883"/>
+        <a:off x="675946" y="27830"/>
+        <a:ext cx="1444020" cy="845371"/>
       </dsp:txXfrm>
     </dsp:sp>
     <dsp:sp modelId="{C9242CC9-C30E-446B-A13C-BAE983C38810}">
@@ -2897,8 +3846,8 @@
       </dsp:nvSpPr>
       <dsp:spPr>
         <a:xfrm>
-          <a:off x="1912555" y="306565"/>
-          <a:ext cx="368519" cy="431098"/>
+          <a:off x="2277971" y="264935"/>
+          <a:ext cx="317284" cy="371162"/>
         </a:xfrm>
         <a:prstGeom prst="rightArrow">
           <a:avLst>
@@ -2951,7 +3900,7 @@
         </a:bodyPr>
         <a:lstStyle/>
         <a:p>
-          <a:pPr marL="0" lvl="0" indent="0" algn="ctr" defTabSz="666750">
+          <a:pPr marL="0" lvl="0" indent="0" algn="ctr" defTabSz="622300">
             <a:lnSpc>
               <a:spcPct val="90000"/>
             </a:lnSpc>
@@ -2963,12 +3912,12 @@
             </a:spcAft>
             <a:buNone/>
           </a:pPr>
-          <a:endParaRPr lang="en-IN" sz="1500" kern="1200"/>
+          <a:endParaRPr lang="en-IN" sz="1400" kern="1200"/>
         </a:p>
       </dsp:txBody>
       <dsp:txXfrm>
-        <a:off x="1912555" y="392785"/>
-        <a:ext cx="257963" cy="258658"/>
+        <a:off x="2277971" y="339167"/>
+        <a:ext cx="222099" cy="222698"/>
       </dsp:txXfrm>
     </dsp:sp>
     <dsp:sp modelId="{C25249B4-ACDD-479D-8F30-971566F577B4}">
@@ -2978,8 +3927,8 @@
       </dsp:nvSpPr>
       <dsp:spPr>
         <a:xfrm>
-          <a:off x="2454905" y="624"/>
-          <a:ext cx="1738299" cy="1042979"/>
+          <a:off x="2744917" y="1529"/>
+          <a:ext cx="1496622" cy="897973"/>
         </a:xfrm>
         <a:prstGeom prst="roundRect">
           <a:avLst>
@@ -3026,12 +3975,12 @@
         </a:fontRef>
       </dsp:style>
       <dsp:txBody>
-        <a:bodyPr spcFirstLastPara="0" vert="horz" wrap="square" lIns="72390" tIns="72390" rIns="72390" bIns="72390" numCol="1" spcCol="1270" anchor="ctr" anchorCtr="0">
+        <a:bodyPr spcFirstLastPara="0" vert="horz" wrap="square" lIns="64770" tIns="64770" rIns="64770" bIns="64770" numCol="1" spcCol="1270" anchor="ctr" anchorCtr="0">
           <a:noAutofit/>
         </a:bodyPr>
         <a:lstStyle/>
         <a:p>
-          <a:pPr marL="0" lvl="0" indent="0" algn="ctr" defTabSz="844550">
+          <a:pPr marL="0" lvl="0" indent="0" algn="ctr" defTabSz="755650">
             <a:lnSpc>
               <a:spcPct val="90000"/>
             </a:lnSpc>
@@ -3044,14 +3993,14 @@
             <a:buNone/>
           </a:pPr>
           <a:r>
-            <a:rPr lang="en-IN" sz="1900" kern="1200"/>
+            <a:rPr lang="en-IN" sz="1700" kern="1200" dirty="0"/>
             <a:t>Remove old containers</a:t>
           </a:r>
         </a:p>
       </dsp:txBody>
       <dsp:txXfrm>
-        <a:off x="2485453" y="31172"/>
-        <a:ext cx="1677203" cy="981883"/>
+        <a:off x="2771218" y="27830"/>
+        <a:ext cx="1444020" cy="845371"/>
       </dsp:txXfrm>
     </dsp:sp>
     <dsp:sp modelId="{339294CC-215E-4ADC-BBAE-3386DA5BBAF3}">
@@ -3061,8 +4010,8 @@
       </dsp:nvSpPr>
       <dsp:spPr>
         <a:xfrm>
-          <a:off x="4346175" y="306565"/>
-          <a:ext cx="368519" cy="431098"/>
+          <a:off x="4373243" y="264935"/>
+          <a:ext cx="317284" cy="371162"/>
         </a:xfrm>
         <a:prstGeom prst="rightArrow">
           <a:avLst>
@@ -3115,7 +4064,7 @@
         </a:bodyPr>
         <a:lstStyle/>
         <a:p>
-          <a:pPr marL="0" lvl="0" indent="0" algn="ctr" defTabSz="666750">
+          <a:pPr marL="0" lvl="0" indent="0" algn="ctr" defTabSz="622300">
             <a:lnSpc>
               <a:spcPct val="90000"/>
             </a:lnSpc>
@@ -3127,12 +4076,12 @@
             </a:spcAft>
             <a:buNone/>
           </a:pPr>
-          <a:endParaRPr lang="en-IN" sz="1500" kern="1200"/>
+          <a:endParaRPr lang="en-IN" sz="1400" kern="1200"/>
         </a:p>
       </dsp:txBody>
       <dsp:txXfrm>
-        <a:off x="4346175" y="392785"/>
-        <a:ext cx="257963" cy="258658"/>
+        <a:off x="4373243" y="339167"/>
+        <a:ext cx="222099" cy="222698"/>
       </dsp:txXfrm>
     </dsp:sp>
     <dsp:sp modelId="{6DB6353C-418E-4153-A8FD-FB1DC5473EF4}">
@@ -3142,8 +4091,8 @@
       </dsp:nvSpPr>
       <dsp:spPr>
         <a:xfrm>
-          <a:off x="4888524" y="624"/>
-          <a:ext cx="1738299" cy="1042979"/>
+          <a:off x="4840189" y="1529"/>
+          <a:ext cx="1496622" cy="897973"/>
         </a:xfrm>
         <a:prstGeom prst="roundRect">
           <a:avLst>
@@ -3190,12 +4139,12 @@
         </a:fontRef>
       </dsp:style>
       <dsp:txBody>
-        <a:bodyPr spcFirstLastPara="0" vert="horz" wrap="square" lIns="72390" tIns="72390" rIns="72390" bIns="72390" numCol="1" spcCol="1270" anchor="ctr" anchorCtr="0">
+        <a:bodyPr spcFirstLastPara="0" vert="horz" wrap="square" lIns="64770" tIns="64770" rIns="64770" bIns="64770" numCol="1" spcCol="1270" anchor="ctr" anchorCtr="0">
           <a:noAutofit/>
         </a:bodyPr>
         <a:lstStyle/>
         <a:p>
-          <a:pPr marL="0" lvl="0" indent="0" algn="ctr" defTabSz="844550">
+          <a:pPr marL="0" lvl="0" indent="0" algn="ctr" defTabSz="755650">
             <a:lnSpc>
               <a:spcPct val="90000"/>
             </a:lnSpc>
@@ -3208,14 +4157,14 @@
             <a:buNone/>
           </a:pPr>
           <a:r>
-            <a:rPr lang="en-IN" sz="1900" kern="1200"/>
+            <a:rPr lang="en-IN" sz="1700" kern="1200" dirty="0"/>
             <a:t>Build deployment image</a:t>
           </a:r>
         </a:p>
       </dsp:txBody>
       <dsp:txXfrm>
-        <a:off x="4919072" y="31172"/>
-        <a:ext cx="1677203" cy="981883"/>
+        <a:off x="4866490" y="27830"/>
+        <a:ext cx="1444020" cy="845371"/>
       </dsp:txXfrm>
     </dsp:sp>
     <dsp:sp modelId="{2E29E36E-6D28-449F-8A0E-63124AAB3A0D}">
@@ -3225,8 +4174,8 @@
       </dsp:nvSpPr>
       <dsp:spPr>
         <a:xfrm>
-          <a:off x="6779795" y="306565"/>
-          <a:ext cx="368519" cy="431098"/>
+          <a:off x="6468515" y="264935"/>
+          <a:ext cx="317284" cy="371162"/>
         </a:xfrm>
         <a:prstGeom prst="rightArrow">
           <a:avLst>
@@ -3279,7 +4228,7 @@
         </a:bodyPr>
         <a:lstStyle/>
         <a:p>
-          <a:pPr marL="0" lvl="0" indent="0" algn="ctr" defTabSz="666750">
+          <a:pPr marL="0" lvl="0" indent="0" algn="ctr" defTabSz="622300">
             <a:lnSpc>
               <a:spcPct val="90000"/>
             </a:lnSpc>
@@ -3291,12 +4240,12 @@
             </a:spcAft>
             <a:buNone/>
           </a:pPr>
-          <a:endParaRPr lang="en-IN" sz="1500" kern="1200"/>
+          <a:endParaRPr lang="en-IN" sz="1400" kern="1200"/>
         </a:p>
       </dsp:txBody>
       <dsp:txXfrm>
-        <a:off x="6779795" y="392785"/>
-        <a:ext cx="257963" cy="258658"/>
+        <a:off x="6468515" y="339167"/>
+        <a:ext cx="222099" cy="222698"/>
       </dsp:txXfrm>
     </dsp:sp>
     <dsp:sp modelId="{07047010-2715-4E7D-8021-37B6EDAF9FE1}">
@@ -3306,8 +4255,8 @@
       </dsp:nvSpPr>
       <dsp:spPr>
         <a:xfrm>
-          <a:off x="7322144" y="624"/>
-          <a:ext cx="1738299" cy="1042979"/>
+          <a:off x="6935461" y="1529"/>
+          <a:ext cx="1496622" cy="897973"/>
         </a:xfrm>
         <a:prstGeom prst="roundRect">
           <a:avLst>
@@ -3354,12 +4303,12 @@
         </a:fontRef>
       </dsp:style>
       <dsp:txBody>
-        <a:bodyPr spcFirstLastPara="0" vert="horz" wrap="square" lIns="72390" tIns="72390" rIns="72390" bIns="72390" numCol="1" spcCol="1270" anchor="ctr" anchorCtr="0">
+        <a:bodyPr spcFirstLastPara="0" vert="horz" wrap="square" lIns="64770" tIns="64770" rIns="64770" bIns="64770" numCol="1" spcCol="1270" anchor="ctr" anchorCtr="0">
           <a:noAutofit/>
         </a:bodyPr>
         <a:lstStyle/>
         <a:p>
-          <a:pPr marL="0" lvl="0" indent="0" algn="ctr" defTabSz="844550">
+          <a:pPr marL="0" lvl="0" indent="0" algn="ctr" defTabSz="755650">
             <a:lnSpc>
               <a:spcPct val="90000"/>
             </a:lnSpc>
@@ -3372,14 +4321,14 @@
             <a:buNone/>
           </a:pPr>
           <a:r>
-            <a:rPr lang="en-IN" sz="1900" kern="1200"/>
+            <a:rPr lang="en-IN" sz="1700" kern="1200"/>
             <a:t>Push Image</a:t>
           </a:r>
         </a:p>
       </dsp:txBody>
       <dsp:txXfrm>
-        <a:off x="7352692" y="31172"/>
-        <a:ext cx="1677203" cy="981883"/>
+        <a:off x="6961762" y="27830"/>
+        <a:ext cx="1444020" cy="845371"/>
       </dsp:txXfrm>
     </dsp:sp>
     <dsp:sp modelId="{D1112515-D232-4774-B4E6-1D5FD13B83AE}">
@@ -3388,9 +4337,9 @@
         <dsp:cNvSpPr/>
       </dsp:nvSpPr>
       <dsp:spPr>
-        <a:xfrm rot="5400000">
-          <a:off x="8007034" y="1165285"/>
-          <a:ext cx="368519" cy="431098"/>
+        <a:xfrm rot="7592573">
+          <a:off x="6938379" y="1004267"/>
+          <a:ext cx="394921" cy="371162"/>
         </a:xfrm>
         <a:prstGeom prst="rightArrow">
           <a:avLst>
@@ -3443,7 +4392,7 @@
         </a:bodyPr>
         <a:lstStyle/>
         <a:p>
-          <a:pPr marL="0" lvl="0" indent="0" algn="ctr" defTabSz="666750">
+          <a:pPr marL="0" lvl="0" indent="0" algn="ctr" defTabSz="622300">
             <a:lnSpc>
               <a:spcPct val="90000"/>
             </a:lnSpc>
@@ -3455,12 +4404,12 @@
             </a:spcAft>
             <a:buNone/>
           </a:pPr>
-          <a:endParaRPr lang="en-IN" sz="1500" kern="1200"/>
+          <a:endParaRPr lang="en-IN" sz="1400" kern="1200"/>
         </a:p>
       </dsp:txBody>
       <dsp:txXfrm rot="-5400000">
-        <a:off x="8061965" y="1196574"/>
-        <a:ext cx="258658" cy="257963"/>
+        <a:off x="7057640" y="1003332"/>
+        <a:ext cx="222698" cy="283572"/>
       </dsp:txXfrm>
     </dsp:sp>
     <dsp:sp modelId="{EA872D22-DB54-4107-8EC6-09ABCDE9B1F1}">
@@ -3470,8 +4419,8 @@
       </dsp:nvSpPr>
       <dsp:spPr>
         <a:xfrm>
-          <a:off x="7322144" y="1738924"/>
-          <a:ext cx="1738299" cy="1042979"/>
+          <a:off x="4717107" y="1498152"/>
+          <a:ext cx="3714977" cy="897973"/>
         </a:xfrm>
         <a:prstGeom prst="roundRect">
           <a:avLst>
@@ -3518,12 +4467,12 @@
         </a:fontRef>
       </dsp:style>
       <dsp:txBody>
-        <a:bodyPr spcFirstLastPara="0" vert="horz" wrap="square" lIns="72390" tIns="72390" rIns="72390" bIns="72390" numCol="1" spcCol="1270" anchor="ctr" anchorCtr="0">
+        <a:bodyPr spcFirstLastPara="0" vert="horz" wrap="square" lIns="64770" tIns="64770" rIns="64770" bIns="64770" numCol="1" spcCol="1270" anchor="ctr" anchorCtr="0">
           <a:noAutofit/>
         </a:bodyPr>
         <a:lstStyle/>
         <a:p>
-          <a:pPr marL="0" lvl="0" indent="0" algn="ctr" defTabSz="844550">
+          <a:pPr marL="0" lvl="0" indent="0" algn="ctr" defTabSz="755650">
             <a:lnSpc>
               <a:spcPct val="90000"/>
             </a:lnSpc>
@@ -3536,14 +4485,14 @@
             <a:buNone/>
           </a:pPr>
           <a:r>
-            <a:rPr lang="en-IN" sz="1900" kern="1200"/>
+            <a:rPr lang="en-IN" sz="1700" kern="1200" dirty="0"/>
             <a:t>Deploy website on containers</a:t>
           </a:r>
         </a:p>
       </dsp:txBody>
       <dsp:txXfrm>
-        <a:off x="7352692" y="1769472"/>
-        <a:ext cx="1677203" cy="981883"/>
+        <a:off x="4743408" y="1524453"/>
+        <a:ext cx="3662375" cy="845371"/>
       </dsp:txXfrm>
     </dsp:sp>
     <dsp:sp modelId="{456A9FA4-5CAB-41C8-BBD8-7050F11F6952}">
@@ -3552,9 +4501,9 @@
         <dsp:cNvSpPr/>
       </dsp:nvSpPr>
       <dsp:spPr>
-        <a:xfrm rot="10800000">
-          <a:off x="6800654" y="2044865"/>
-          <a:ext cx="368519" cy="431098"/>
+        <a:xfrm rot="10798440">
+          <a:off x="4208830" y="1771685"/>
+          <a:ext cx="332021" cy="371162"/>
         </a:xfrm>
         <a:prstGeom prst="rightArrow">
           <a:avLst>
@@ -3607,7 +4556,7 @@
         </a:bodyPr>
         <a:lstStyle/>
         <a:p>
-          <a:pPr marL="0" lvl="0" indent="0" algn="ctr" defTabSz="666750">
+          <a:pPr marL="0" lvl="0" indent="0" algn="ctr" defTabSz="622300">
             <a:lnSpc>
               <a:spcPct val="90000"/>
             </a:lnSpc>
@@ -3619,12 +4568,12 @@
             </a:spcAft>
             <a:buNone/>
           </a:pPr>
-          <a:endParaRPr lang="en-IN" sz="1500" kern="1200"/>
+          <a:endParaRPr lang="en-IN" sz="1400" kern="1200"/>
         </a:p>
       </dsp:txBody>
       <dsp:txXfrm rot="10800000">
-        <a:off x="6911210" y="2131085"/>
-        <a:ext cx="257963" cy="258658"/>
+        <a:off x="4308436" y="1845894"/>
+        <a:ext cx="232415" cy="222698"/>
       </dsp:txXfrm>
     </dsp:sp>
     <dsp:sp modelId="{78D807D9-2547-4433-8809-E7DD2C4531AB}">
@@ -3634,8 +4583,8 @@
       </dsp:nvSpPr>
       <dsp:spPr>
         <a:xfrm>
-          <a:off x="4888524" y="1738924"/>
-          <a:ext cx="1738299" cy="1042979"/>
+          <a:off x="2454722" y="1499682"/>
+          <a:ext cx="1496622" cy="897973"/>
         </a:xfrm>
         <a:prstGeom prst="roundRect">
           <a:avLst>
@@ -3682,12 +4631,12 @@
         </a:fontRef>
       </dsp:style>
       <dsp:txBody>
-        <a:bodyPr spcFirstLastPara="0" vert="horz" wrap="square" lIns="72390" tIns="72390" rIns="72390" bIns="72390" numCol="1" spcCol="1270" anchor="ctr" anchorCtr="0">
+        <a:bodyPr spcFirstLastPara="0" vert="horz" wrap="square" lIns="64770" tIns="64770" rIns="64770" bIns="64770" numCol="1" spcCol="1270" anchor="ctr" anchorCtr="0">
           <a:noAutofit/>
         </a:bodyPr>
         <a:lstStyle/>
         <a:p>
-          <a:pPr marL="0" lvl="0" indent="0" algn="ctr" defTabSz="844550">
+          <a:pPr marL="0" lvl="0" indent="0" algn="ctr" defTabSz="755650">
             <a:lnSpc>
               <a:spcPct val="90000"/>
             </a:lnSpc>
@@ -3700,14 +4649,520 @@
             <a:buNone/>
           </a:pPr>
           <a:r>
-            <a:rPr lang="en-IN" sz="1900" kern="1200"/>
+            <a:rPr lang="en-IN" sz="1700" kern="1200" dirty="0"/>
             <a:t>Test the website</a:t>
           </a:r>
         </a:p>
       </dsp:txBody>
       <dsp:txXfrm>
-        <a:off x="4919072" y="1769472"/>
-        <a:ext cx="1677203" cy="981883"/>
+        <a:off x="2481023" y="1525983"/>
+        <a:ext cx="1444020" cy="845371"/>
+      </dsp:txXfrm>
+    </dsp:sp>
+  </dsp:spTree>
+</dsp:drawing>
+</file>
+
+<file path=ppt/diagrams/drawing3.xml><?xml version="1.0" encoding="utf-8"?>
+<dsp:drawing xmlns:dgm="http://schemas.openxmlformats.org/drawingml/2006/diagram" xmlns:dsp="http://schemas.microsoft.com/office/drawing/2008/diagram" xmlns:a="http://schemas.openxmlformats.org/drawingml/2006/main">
+  <dsp:spTree>
+    <dsp:nvGrpSpPr>
+      <dsp:cNvPr id="0" name=""/>
+      <dsp:cNvGrpSpPr/>
+    </dsp:nvGrpSpPr>
+    <dsp:grpSpPr/>
+    <dsp:sp modelId="{1AED5503-C430-4982-9C29-EF1FE7086A97}">
+      <dsp:nvSpPr>
+        <dsp:cNvPr id="0" name=""/>
+        <dsp:cNvSpPr/>
+      </dsp:nvSpPr>
+      <dsp:spPr>
+        <a:xfrm>
+          <a:off x="3249" y="62611"/>
+          <a:ext cx="971166" cy="582700"/>
+        </a:xfrm>
+        <a:prstGeom prst="roundRect">
+          <a:avLst>
+            <a:gd name="adj" fmla="val 10000"/>
+          </a:avLst>
+        </a:prstGeom>
+        <a:gradFill rotWithShape="0">
+          <a:gsLst>
+            <a:gs pos="0">
+              <a:schemeClr val="accent1">
+                <a:hueOff val="0"/>
+                <a:satOff val="0"/>
+                <a:lumOff val="0"/>
+                <a:alphaOff val="0"/>
+                <a:satMod val="103000"/>
+                <a:lumMod val="102000"/>
+                <a:tint val="94000"/>
+              </a:schemeClr>
+            </a:gs>
+            <a:gs pos="50000">
+              <a:schemeClr val="accent1">
+                <a:hueOff val="0"/>
+                <a:satOff val="0"/>
+                <a:lumOff val="0"/>
+                <a:alphaOff val="0"/>
+                <a:satMod val="110000"/>
+                <a:lumMod val="100000"/>
+                <a:shade val="100000"/>
+              </a:schemeClr>
+            </a:gs>
+            <a:gs pos="100000">
+              <a:schemeClr val="accent1">
+                <a:hueOff val="0"/>
+                <a:satOff val="0"/>
+                <a:lumOff val="0"/>
+                <a:alphaOff val="0"/>
+                <a:lumMod val="99000"/>
+                <a:satMod val="120000"/>
+                <a:shade val="78000"/>
+              </a:schemeClr>
+            </a:gs>
+          </a:gsLst>
+          <a:lin ang="5400000" scaled="0"/>
+        </a:gradFill>
+        <a:ln>
+          <a:noFill/>
+        </a:ln>
+        <a:effectLst/>
+        <a:scene3d>
+          <a:camera prst="orthographicFront"/>
+          <a:lightRig rig="threePt" dir="t">
+            <a:rot lat="0" lon="0" rev="7500000"/>
+          </a:lightRig>
+        </a:scene3d>
+        <a:sp3d prstMaterial="plastic">
+          <a:bevelT w="127000" h="25400" prst="relaxedInset"/>
+        </a:sp3d>
+      </dsp:spPr>
+      <dsp:style>
+        <a:lnRef idx="0">
+          <a:scrgbClr r="0" g="0" b="0"/>
+        </a:lnRef>
+        <a:fillRef idx="3">
+          <a:scrgbClr r="0" g="0" b="0"/>
+        </a:fillRef>
+        <a:effectRef idx="2">
+          <a:scrgbClr r="0" g="0" b="0"/>
+        </a:effectRef>
+        <a:fontRef idx="minor">
+          <a:schemeClr val="lt1"/>
+        </a:fontRef>
+      </dsp:style>
+      <dsp:txBody>
+        <a:bodyPr spcFirstLastPara="0" vert="horz" wrap="square" lIns="57150" tIns="57150" rIns="57150" bIns="57150" numCol="1" spcCol="1270" anchor="ctr" anchorCtr="0">
+          <a:noAutofit/>
+        </a:bodyPr>
+        <a:lstStyle/>
+        <a:p>
+          <a:pPr marL="0" lvl="0" indent="0" algn="ctr" defTabSz="666750">
+            <a:lnSpc>
+              <a:spcPct val="90000"/>
+            </a:lnSpc>
+            <a:spcBef>
+              <a:spcPct val="0"/>
+            </a:spcBef>
+            <a:spcAft>
+              <a:spcPct val="35000"/>
+            </a:spcAft>
+            <a:buNone/>
+          </a:pPr>
+          <a:r>
+            <a:rPr lang="en-IN" sz="1500" kern="1200" dirty="0"/>
+            <a:t>Install docker</a:t>
+          </a:r>
+        </a:p>
+      </dsp:txBody>
+      <dsp:txXfrm>
+        <a:off x="20316" y="79678"/>
+        <a:ext cx="937032" cy="548566"/>
+      </dsp:txXfrm>
+    </dsp:sp>
+    <dsp:sp modelId="{0A4D5B17-6AF4-4551-8BAE-62D7EC803EFA}">
+      <dsp:nvSpPr>
+        <dsp:cNvPr id="0" name=""/>
+        <dsp:cNvSpPr/>
+      </dsp:nvSpPr>
+      <dsp:spPr>
+        <a:xfrm>
+          <a:off x="1059878" y="233536"/>
+          <a:ext cx="205887" cy="240849"/>
+        </a:xfrm>
+        <a:prstGeom prst="rightArrow">
+          <a:avLst>
+            <a:gd name="adj1" fmla="val 60000"/>
+            <a:gd name="adj2" fmla="val 50000"/>
+          </a:avLst>
+        </a:prstGeom>
+        <a:solidFill>
+          <a:schemeClr val="accent1">
+            <a:tint val="60000"/>
+            <a:hueOff val="0"/>
+            <a:satOff val="0"/>
+            <a:lumOff val="0"/>
+            <a:alphaOff val="0"/>
+          </a:schemeClr>
+        </a:solidFill>
+        <a:ln>
+          <a:noFill/>
+        </a:ln>
+        <a:effectLst/>
+        <a:scene3d>
+          <a:camera prst="orthographicFront"/>
+          <a:lightRig rig="threePt" dir="t">
+            <a:rot lat="0" lon="0" rev="7500000"/>
+          </a:lightRig>
+        </a:scene3d>
+        <a:sp3d z="-70000" extrusionH="63500" prstMaterial="matte">
+          <a:bevelT w="25400" h="6350" prst="relaxedInset"/>
+          <a:contourClr>
+            <a:schemeClr val="bg1"/>
+          </a:contourClr>
+        </a:sp3d>
+      </dsp:spPr>
+      <dsp:style>
+        <a:lnRef idx="0">
+          <a:scrgbClr r="0" g="0" b="0"/>
+        </a:lnRef>
+        <a:fillRef idx="1">
+          <a:scrgbClr r="0" g="0" b="0"/>
+        </a:fillRef>
+        <a:effectRef idx="2">
+          <a:scrgbClr r="0" g="0" b="0"/>
+        </a:effectRef>
+        <a:fontRef idx="minor">
+          <a:schemeClr val="lt1"/>
+        </a:fontRef>
+      </dsp:style>
+      <dsp:txBody>
+        <a:bodyPr spcFirstLastPara="0" vert="horz" wrap="square" lIns="0" tIns="0" rIns="0" bIns="0" numCol="1" spcCol="1270" anchor="ctr" anchorCtr="0">
+          <a:noAutofit/>
+        </a:bodyPr>
+        <a:lstStyle/>
+        <a:p>
+          <a:pPr marL="0" lvl="0" indent="0" algn="ctr" defTabSz="444500">
+            <a:lnSpc>
+              <a:spcPct val="90000"/>
+            </a:lnSpc>
+            <a:spcBef>
+              <a:spcPct val="0"/>
+            </a:spcBef>
+            <a:spcAft>
+              <a:spcPct val="35000"/>
+            </a:spcAft>
+            <a:buNone/>
+          </a:pPr>
+          <a:endParaRPr lang="en-IN" sz="1000" kern="1200"/>
+        </a:p>
+      </dsp:txBody>
+      <dsp:txXfrm>
+        <a:off x="1059878" y="281706"/>
+        <a:ext cx="144121" cy="144509"/>
+      </dsp:txXfrm>
+    </dsp:sp>
+    <dsp:sp modelId="{0123BCA2-4D42-40AD-9D08-5DB0D6C32C87}">
+      <dsp:nvSpPr>
+        <dsp:cNvPr id="0" name=""/>
+        <dsp:cNvSpPr/>
+      </dsp:nvSpPr>
+      <dsp:spPr>
+        <a:xfrm>
+          <a:off x="1362882" y="62611"/>
+          <a:ext cx="971166" cy="582700"/>
+        </a:xfrm>
+        <a:prstGeom prst="roundRect">
+          <a:avLst>
+            <a:gd name="adj" fmla="val 10000"/>
+          </a:avLst>
+        </a:prstGeom>
+        <a:gradFill rotWithShape="0">
+          <a:gsLst>
+            <a:gs pos="0">
+              <a:schemeClr val="accent1">
+                <a:hueOff val="0"/>
+                <a:satOff val="0"/>
+                <a:lumOff val="0"/>
+                <a:alphaOff val="0"/>
+                <a:satMod val="103000"/>
+                <a:lumMod val="102000"/>
+                <a:tint val="94000"/>
+              </a:schemeClr>
+            </a:gs>
+            <a:gs pos="50000">
+              <a:schemeClr val="accent1">
+                <a:hueOff val="0"/>
+                <a:satOff val="0"/>
+                <a:lumOff val="0"/>
+                <a:alphaOff val="0"/>
+                <a:satMod val="110000"/>
+                <a:lumMod val="100000"/>
+                <a:shade val="100000"/>
+              </a:schemeClr>
+            </a:gs>
+            <a:gs pos="100000">
+              <a:schemeClr val="accent1">
+                <a:hueOff val="0"/>
+                <a:satOff val="0"/>
+                <a:lumOff val="0"/>
+                <a:alphaOff val="0"/>
+                <a:lumMod val="99000"/>
+                <a:satMod val="120000"/>
+                <a:shade val="78000"/>
+              </a:schemeClr>
+            </a:gs>
+          </a:gsLst>
+          <a:lin ang="5400000" scaled="0"/>
+        </a:gradFill>
+        <a:ln>
+          <a:noFill/>
+        </a:ln>
+        <a:effectLst/>
+        <a:scene3d>
+          <a:camera prst="orthographicFront"/>
+          <a:lightRig rig="threePt" dir="t">
+            <a:rot lat="0" lon="0" rev="7500000"/>
+          </a:lightRig>
+        </a:scene3d>
+        <a:sp3d prstMaterial="plastic">
+          <a:bevelT w="127000" h="25400" prst="relaxedInset"/>
+        </a:sp3d>
+      </dsp:spPr>
+      <dsp:style>
+        <a:lnRef idx="0">
+          <a:scrgbClr r="0" g="0" b="0"/>
+        </a:lnRef>
+        <a:fillRef idx="3">
+          <a:scrgbClr r="0" g="0" b="0"/>
+        </a:fillRef>
+        <a:effectRef idx="2">
+          <a:scrgbClr r="0" g="0" b="0"/>
+        </a:effectRef>
+        <a:fontRef idx="minor">
+          <a:schemeClr val="lt1"/>
+        </a:fontRef>
+      </dsp:style>
+      <dsp:txBody>
+        <a:bodyPr spcFirstLastPara="0" vert="horz" wrap="square" lIns="57150" tIns="57150" rIns="57150" bIns="57150" numCol="1" spcCol="1270" anchor="ctr" anchorCtr="0">
+          <a:noAutofit/>
+        </a:bodyPr>
+        <a:lstStyle/>
+        <a:p>
+          <a:pPr marL="0" lvl="0" indent="0" algn="ctr" defTabSz="666750">
+            <a:lnSpc>
+              <a:spcPct val="90000"/>
+            </a:lnSpc>
+            <a:spcBef>
+              <a:spcPct val="0"/>
+            </a:spcBef>
+            <a:spcAft>
+              <a:spcPct val="35000"/>
+            </a:spcAft>
+            <a:buNone/>
+          </a:pPr>
+          <a:r>
+            <a:rPr lang="en-IN" sz="1500" kern="1200" dirty="0"/>
+            <a:t>Delete old containers</a:t>
+          </a:r>
+        </a:p>
+      </dsp:txBody>
+      <dsp:txXfrm>
+        <a:off x="1379949" y="79678"/>
+        <a:ext cx="937032" cy="548566"/>
+      </dsp:txXfrm>
+    </dsp:sp>
+    <dsp:sp modelId="{B8AE122C-E598-4F91-A50C-87B98C40694E}">
+      <dsp:nvSpPr>
+        <dsp:cNvPr id="0" name=""/>
+        <dsp:cNvSpPr/>
+      </dsp:nvSpPr>
+      <dsp:spPr>
+        <a:xfrm>
+          <a:off x="2419512" y="233536"/>
+          <a:ext cx="205887" cy="240849"/>
+        </a:xfrm>
+        <a:prstGeom prst="rightArrow">
+          <a:avLst>
+            <a:gd name="adj1" fmla="val 60000"/>
+            <a:gd name="adj2" fmla="val 50000"/>
+          </a:avLst>
+        </a:prstGeom>
+        <a:solidFill>
+          <a:schemeClr val="accent1">
+            <a:tint val="60000"/>
+            <a:hueOff val="0"/>
+            <a:satOff val="0"/>
+            <a:lumOff val="0"/>
+            <a:alphaOff val="0"/>
+          </a:schemeClr>
+        </a:solidFill>
+        <a:ln>
+          <a:noFill/>
+        </a:ln>
+        <a:effectLst/>
+        <a:scene3d>
+          <a:camera prst="orthographicFront"/>
+          <a:lightRig rig="threePt" dir="t">
+            <a:rot lat="0" lon="0" rev="7500000"/>
+          </a:lightRig>
+        </a:scene3d>
+        <a:sp3d z="-70000" extrusionH="63500" prstMaterial="matte">
+          <a:bevelT w="25400" h="6350" prst="relaxedInset"/>
+          <a:contourClr>
+            <a:schemeClr val="bg1"/>
+          </a:contourClr>
+        </a:sp3d>
+      </dsp:spPr>
+      <dsp:style>
+        <a:lnRef idx="0">
+          <a:scrgbClr r="0" g="0" b="0"/>
+        </a:lnRef>
+        <a:fillRef idx="1">
+          <a:scrgbClr r="0" g="0" b="0"/>
+        </a:fillRef>
+        <a:effectRef idx="2">
+          <a:scrgbClr r="0" g="0" b="0"/>
+        </a:effectRef>
+        <a:fontRef idx="minor">
+          <a:schemeClr val="lt1"/>
+        </a:fontRef>
+      </dsp:style>
+      <dsp:txBody>
+        <a:bodyPr spcFirstLastPara="0" vert="horz" wrap="square" lIns="0" tIns="0" rIns="0" bIns="0" numCol="1" spcCol="1270" anchor="ctr" anchorCtr="0">
+          <a:noAutofit/>
+        </a:bodyPr>
+        <a:lstStyle/>
+        <a:p>
+          <a:pPr marL="0" lvl="0" indent="0" algn="ctr" defTabSz="444500">
+            <a:lnSpc>
+              <a:spcPct val="90000"/>
+            </a:lnSpc>
+            <a:spcBef>
+              <a:spcPct val="0"/>
+            </a:spcBef>
+            <a:spcAft>
+              <a:spcPct val="35000"/>
+            </a:spcAft>
+            <a:buNone/>
+          </a:pPr>
+          <a:endParaRPr lang="en-IN" sz="1000" kern="1200"/>
+        </a:p>
+      </dsp:txBody>
+      <dsp:txXfrm>
+        <a:off x="2419512" y="281706"/>
+        <a:ext cx="144121" cy="144509"/>
+      </dsp:txXfrm>
+    </dsp:sp>
+    <dsp:sp modelId="{582AF187-A2C3-45CC-8033-D677355F32A5}">
+      <dsp:nvSpPr>
+        <dsp:cNvPr id="0" name=""/>
+        <dsp:cNvSpPr/>
+      </dsp:nvSpPr>
+      <dsp:spPr>
+        <a:xfrm>
+          <a:off x="2722516" y="62611"/>
+          <a:ext cx="971166" cy="582700"/>
+        </a:xfrm>
+        <a:prstGeom prst="roundRect">
+          <a:avLst>
+            <a:gd name="adj" fmla="val 10000"/>
+          </a:avLst>
+        </a:prstGeom>
+        <a:gradFill rotWithShape="0">
+          <a:gsLst>
+            <a:gs pos="0">
+              <a:schemeClr val="accent1">
+                <a:hueOff val="0"/>
+                <a:satOff val="0"/>
+                <a:lumOff val="0"/>
+                <a:alphaOff val="0"/>
+                <a:satMod val="103000"/>
+                <a:lumMod val="102000"/>
+                <a:tint val="94000"/>
+              </a:schemeClr>
+            </a:gs>
+            <a:gs pos="50000">
+              <a:schemeClr val="accent1">
+                <a:hueOff val="0"/>
+                <a:satOff val="0"/>
+                <a:lumOff val="0"/>
+                <a:alphaOff val="0"/>
+                <a:satMod val="110000"/>
+                <a:lumMod val="100000"/>
+                <a:shade val="100000"/>
+              </a:schemeClr>
+            </a:gs>
+            <a:gs pos="100000">
+              <a:schemeClr val="accent1">
+                <a:hueOff val="0"/>
+                <a:satOff val="0"/>
+                <a:lumOff val="0"/>
+                <a:alphaOff val="0"/>
+                <a:lumMod val="99000"/>
+                <a:satMod val="120000"/>
+                <a:shade val="78000"/>
+              </a:schemeClr>
+            </a:gs>
+          </a:gsLst>
+          <a:lin ang="5400000" scaled="0"/>
+        </a:gradFill>
+        <a:ln>
+          <a:noFill/>
+        </a:ln>
+        <a:effectLst/>
+        <a:scene3d>
+          <a:camera prst="orthographicFront"/>
+          <a:lightRig rig="threePt" dir="t">
+            <a:rot lat="0" lon="0" rev="7500000"/>
+          </a:lightRig>
+        </a:scene3d>
+        <a:sp3d prstMaterial="plastic">
+          <a:bevelT w="127000" h="25400" prst="relaxedInset"/>
+        </a:sp3d>
+      </dsp:spPr>
+      <dsp:style>
+        <a:lnRef idx="0">
+          <a:scrgbClr r="0" g="0" b="0"/>
+        </a:lnRef>
+        <a:fillRef idx="3">
+          <a:scrgbClr r="0" g="0" b="0"/>
+        </a:fillRef>
+        <a:effectRef idx="2">
+          <a:scrgbClr r="0" g="0" b="0"/>
+        </a:effectRef>
+        <a:fontRef idx="minor">
+          <a:schemeClr val="lt1"/>
+        </a:fontRef>
+      </dsp:style>
+      <dsp:txBody>
+        <a:bodyPr spcFirstLastPara="0" vert="horz" wrap="square" lIns="57150" tIns="57150" rIns="57150" bIns="57150" numCol="1" spcCol="1270" anchor="ctr" anchorCtr="0">
+          <a:noAutofit/>
+        </a:bodyPr>
+        <a:lstStyle/>
+        <a:p>
+          <a:pPr marL="0" lvl="0" indent="0" algn="ctr" defTabSz="666750">
+            <a:lnSpc>
+              <a:spcPct val="90000"/>
+            </a:lnSpc>
+            <a:spcBef>
+              <a:spcPct val="0"/>
+            </a:spcBef>
+            <a:spcAft>
+              <a:spcPct val="35000"/>
+            </a:spcAft>
+            <a:buNone/>
+          </a:pPr>
+          <a:r>
+            <a:rPr lang="en-IN" sz="1500" kern="1200" dirty="0"/>
+            <a:t>Deploy containers</a:t>
+          </a:r>
+        </a:p>
+      </dsp:txBody>
+      <dsp:txXfrm>
+        <a:off x="2739583" y="79678"/>
+        <a:ext cx="937032" cy="548566"/>
       </dsp:txXfrm>
     </dsp:sp>
   </dsp:spTree>
@@ -4032,6 +5487,177 @@
 </dgm:layoutDef>
 </file>
 
+<file path=ppt/diagrams/layout3.xml><?xml version="1.0" encoding="utf-8"?>
+<dgm:layoutDef xmlns:dgm="http://schemas.openxmlformats.org/drawingml/2006/diagram" xmlns:a="http://schemas.openxmlformats.org/drawingml/2006/main" uniqueId="urn:microsoft.com/office/officeart/2005/8/layout/process5">
+  <dgm:title val=""/>
+  <dgm:desc val=""/>
+  <dgm:catLst>
+    <dgm:cat type="process" pri="17000"/>
+  </dgm:catLst>
+  <dgm:sampData>
+    <dgm:dataModel>
+      <dgm:ptLst>
+        <dgm:pt modelId="0" type="doc"/>
+        <dgm:pt modelId="1">
+          <dgm:prSet phldr="1"/>
+        </dgm:pt>
+        <dgm:pt modelId="2">
+          <dgm:prSet phldr="1"/>
+        </dgm:pt>
+        <dgm:pt modelId="3">
+          <dgm:prSet phldr="1"/>
+        </dgm:pt>
+        <dgm:pt modelId="4">
+          <dgm:prSet phldr="1"/>
+        </dgm:pt>
+        <dgm:pt modelId="5">
+          <dgm:prSet phldr="1"/>
+        </dgm:pt>
+      </dgm:ptLst>
+      <dgm:cxnLst>
+        <dgm:cxn modelId="7" srcId="0" destId="1" srcOrd="0" destOrd="0"/>
+        <dgm:cxn modelId="8" srcId="0" destId="2" srcOrd="1" destOrd="0"/>
+        <dgm:cxn modelId="9" srcId="0" destId="3" srcOrd="2" destOrd="0"/>
+        <dgm:cxn modelId="10" srcId="0" destId="4" srcOrd="3" destOrd="0"/>
+        <dgm:cxn modelId="11" srcId="0" destId="5" srcOrd="4" destOrd="0"/>
+      </dgm:cxnLst>
+      <dgm:bg/>
+      <dgm:whole/>
+    </dgm:dataModel>
+  </dgm:sampData>
+  <dgm:styleData>
+    <dgm:dataModel>
+      <dgm:ptLst>
+        <dgm:pt modelId="0" type="doc"/>
+        <dgm:pt modelId="1"/>
+        <dgm:pt modelId="2"/>
+      </dgm:ptLst>
+      <dgm:cxnLst>
+        <dgm:cxn modelId="3" srcId="0" destId="1" srcOrd="0" destOrd="0"/>
+        <dgm:cxn modelId="4" srcId="0" destId="2" srcOrd="1" destOrd="0"/>
+      </dgm:cxnLst>
+      <dgm:bg/>
+      <dgm:whole/>
+    </dgm:dataModel>
+  </dgm:styleData>
+  <dgm:clrData>
+    <dgm:dataModel>
+      <dgm:ptLst>
+        <dgm:pt modelId="0" type="doc"/>
+        <dgm:pt modelId="1"/>
+        <dgm:pt modelId="2"/>
+        <dgm:pt modelId="3"/>
+        <dgm:pt modelId="4"/>
+      </dgm:ptLst>
+      <dgm:cxnLst>
+        <dgm:cxn modelId="5" srcId="0" destId="1" srcOrd="0" destOrd="0"/>
+        <dgm:cxn modelId="6" srcId="0" destId="2" srcOrd="1" destOrd="0"/>
+        <dgm:cxn modelId="7" srcId="0" destId="3" srcOrd="2" destOrd="0"/>
+        <dgm:cxn modelId="8" srcId="0" destId="4" srcOrd="3" destOrd="0"/>
+      </dgm:cxnLst>
+      <dgm:bg/>
+      <dgm:whole/>
+    </dgm:dataModel>
+  </dgm:clrData>
+  <dgm:layoutNode name="diagram">
+    <dgm:varLst>
+      <dgm:dir/>
+      <dgm:resizeHandles val="exact"/>
+    </dgm:varLst>
+    <dgm:choose name="Name0">
+      <dgm:if name="Name1" axis="self" func="var" arg="dir" op="equ" val="norm">
+        <dgm:alg type="snake">
+          <dgm:param type="grDir" val="tL"/>
+          <dgm:param type="flowDir" val="row"/>
+          <dgm:param type="contDir" val="revDir"/>
+          <dgm:param type="bkpt" val="endCnv"/>
+        </dgm:alg>
+      </dgm:if>
+      <dgm:else name="Name2">
+        <dgm:alg type="snake">
+          <dgm:param type="grDir" val="tR"/>
+          <dgm:param type="flowDir" val="row"/>
+          <dgm:param type="contDir" val="revDir"/>
+          <dgm:param type="bkpt" val="endCnv"/>
+        </dgm:alg>
+      </dgm:else>
+    </dgm:choose>
+    <dgm:shape xmlns:r="http://schemas.openxmlformats.org/officeDocument/2006/relationships" r:blip="">
+      <dgm:adjLst/>
+    </dgm:shape>
+    <dgm:presOf/>
+    <dgm:constrLst>
+      <dgm:constr type="w" for="ch" ptType="node" refType="w"/>
+      <dgm:constr type="w" for="ch" forName="sibTrans" refType="w" refFor="ch" refPtType="node" op="equ" fact="0.4"/>
+      <dgm:constr type="sp" refType="w" refFor="ch" refForName="sibTrans" op="equ"/>
+      <dgm:constr type="primFontSz" for="ch" ptType="node" op="equ" val="65"/>
+      <dgm:constr type="primFontSz" for="des" forName="connectorText" op="equ" val="55"/>
+      <dgm:constr type="primFontSz" for="des" forName="connectorText" refType="primFontSz" refFor="ch" refPtType="node" op="lte" fact="0.8"/>
+    </dgm:constrLst>
+    <dgm:ruleLst/>
+    <dgm:forEach name="nodesForEach" axis="ch" ptType="node">
+      <dgm:layoutNode name="node">
+        <dgm:varLst>
+          <dgm:bulletEnabled val="1"/>
+        </dgm:varLst>
+        <dgm:alg type="tx"/>
+        <dgm:shape xmlns:r="http://schemas.openxmlformats.org/officeDocument/2006/relationships" type="roundRect" r:blip="">
+          <dgm:adjLst>
+            <dgm:adj idx="1" val="0.1"/>
+          </dgm:adjLst>
+        </dgm:shape>
+        <dgm:presOf axis="desOrSelf" ptType="node"/>
+        <dgm:constrLst>
+          <dgm:constr type="h" refType="w" fact="0.6"/>
+          <dgm:constr type="tMarg" refType="primFontSz" fact="0.3"/>
+          <dgm:constr type="bMarg" refType="primFontSz" fact="0.3"/>
+          <dgm:constr type="lMarg" refType="primFontSz" fact="0.3"/>
+          <dgm:constr type="rMarg" refType="primFontSz" fact="0.3"/>
+        </dgm:constrLst>
+        <dgm:ruleLst>
+          <dgm:rule type="primFontSz" val="5" fact="NaN" max="NaN"/>
+        </dgm:ruleLst>
+      </dgm:layoutNode>
+      <dgm:forEach name="sibTransForEach" axis="followSib" ptType="sibTrans" cnt="1">
+        <dgm:layoutNode name="sibTrans">
+          <dgm:alg type="conn">
+            <dgm:param type="begPts" val="auto"/>
+            <dgm:param type="endPts" val="auto"/>
+          </dgm:alg>
+          <dgm:shape xmlns:r="http://schemas.openxmlformats.org/officeDocument/2006/relationships" type="conn" r:blip="">
+            <dgm:adjLst/>
+          </dgm:shape>
+          <dgm:presOf axis="self"/>
+          <dgm:constrLst>
+            <dgm:constr type="h" refType="w" fact="0.62"/>
+            <dgm:constr type="connDist"/>
+          </dgm:constrLst>
+          <dgm:ruleLst/>
+          <dgm:layoutNode name="connectorText">
+            <dgm:alg type="tx">
+              <dgm:param type="autoTxRot" val="upr"/>
+            </dgm:alg>
+            <dgm:shape xmlns:r="http://schemas.openxmlformats.org/officeDocument/2006/relationships" type="conn" r:blip="" hideGeom="1">
+              <dgm:adjLst/>
+            </dgm:shape>
+            <dgm:presOf axis="self"/>
+            <dgm:constrLst>
+              <dgm:constr type="lMarg"/>
+              <dgm:constr type="rMarg"/>
+              <dgm:constr type="tMarg"/>
+              <dgm:constr type="bMarg"/>
+            </dgm:constrLst>
+            <dgm:ruleLst>
+              <dgm:rule type="primFontSz" val="5" fact="NaN" max="NaN"/>
+            </dgm:ruleLst>
+          </dgm:layoutNode>
+        </dgm:layoutNode>
+      </dgm:forEach>
+    </dgm:forEach>
+  </dgm:layoutNode>
+</dgm:layoutDef>
+</file>
+
 <file path=ppt/diagrams/quickStyle1.xml><?xml version="1.0" encoding="utf-8"?>
 <dgm:styleDef xmlns:dgm="http://schemas.openxmlformats.org/drawingml/2006/diagram" xmlns:a="http://schemas.openxmlformats.org/drawingml/2006/main" uniqueId="urn:microsoft.com/office/officeart/2005/8/quickstyle/3d3">
   <dgm:title val=""/>
@@ -6678,6 +8304,1268 @@
     <dgm:txPr/>
     <dgm:style>
       <a:lnRef idx="1">
+        <a:scrgbClr r="0" g="0" b="0"/>
+      </a:lnRef>
+      <a:fillRef idx="0">
+        <a:scrgbClr r="0" g="0" b="0"/>
+      </a:fillRef>
+      <a:effectRef idx="0">
+        <a:scrgbClr r="0" g="0" b="0"/>
+      </a:effectRef>
+      <a:fontRef idx="minor"/>
+    </dgm:style>
+  </dgm:styleLbl>
+</dgm:styleDef>
+</file>
+
+<file path=ppt/diagrams/quickStyle3.xml><?xml version="1.0" encoding="utf-8"?>
+<dgm:styleDef xmlns:dgm="http://schemas.openxmlformats.org/drawingml/2006/diagram" xmlns:a="http://schemas.openxmlformats.org/drawingml/2006/main" uniqueId="urn:microsoft.com/office/officeart/2005/8/quickstyle/3d2">
+  <dgm:title val=""/>
+  <dgm:desc val=""/>
+  <dgm:catLst>
+    <dgm:cat type="3D" pri="11200"/>
+  </dgm:catLst>
+  <dgm:scene3d>
+    <a:camera prst="orthographicFront"/>
+    <a:lightRig rig="threePt" dir="t"/>
+  </dgm:scene3d>
+  <dgm:styleLbl name="node0">
+    <dgm:scene3d>
+      <a:camera prst="orthographicFront"/>
+      <a:lightRig rig="threePt" dir="t">
+        <a:rot lat="0" lon="0" rev="7500000"/>
+      </a:lightRig>
+    </dgm:scene3d>
+    <dgm:sp3d prstMaterial="plastic">
+      <a:bevelT w="127000" h="25400" prst="relaxedInset"/>
+    </dgm:sp3d>
+    <dgm:txPr/>
+    <dgm:style>
+      <a:lnRef idx="0">
+        <a:scrgbClr r="0" g="0" b="0"/>
+      </a:lnRef>
+      <a:fillRef idx="3">
+        <a:scrgbClr r="0" g="0" b="0"/>
+      </a:fillRef>
+      <a:effectRef idx="2">
+        <a:scrgbClr r="0" g="0" b="0"/>
+      </a:effectRef>
+      <a:fontRef idx="minor">
+        <a:schemeClr val="lt1"/>
+      </a:fontRef>
+    </dgm:style>
+  </dgm:styleLbl>
+  <dgm:styleLbl name="lnNode1">
+    <dgm:scene3d>
+      <a:camera prst="orthographicFront"/>
+      <a:lightRig rig="threePt" dir="t">
+        <a:rot lat="0" lon="0" rev="7500000"/>
+      </a:lightRig>
+    </dgm:scene3d>
+    <dgm:sp3d prstMaterial="plastic">
+      <a:bevelT w="127000" h="25400" prst="relaxedInset"/>
+    </dgm:sp3d>
+    <dgm:txPr/>
+    <dgm:style>
+      <a:lnRef idx="1">
+        <a:scrgbClr r="0" g="0" b="0"/>
+      </a:lnRef>
+      <a:fillRef idx="3">
+        <a:scrgbClr r="0" g="0" b="0"/>
+      </a:fillRef>
+      <a:effectRef idx="2">
+        <a:scrgbClr r="0" g="0" b="0"/>
+      </a:effectRef>
+      <a:fontRef idx="minor">
+        <a:schemeClr val="lt1"/>
+      </a:fontRef>
+    </dgm:style>
+  </dgm:styleLbl>
+  <dgm:styleLbl name="vennNode1">
+    <dgm:scene3d>
+      <a:camera prst="orthographicFront"/>
+      <a:lightRig rig="threePt" dir="t">
+        <a:rot lat="0" lon="0" rev="7500000"/>
+      </a:lightRig>
+    </dgm:scene3d>
+    <dgm:sp3d prstMaterial="plastic">
+      <a:bevelT w="127000" h="25400" prst="relaxedInset"/>
+    </dgm:sp3d>
+    <dgm:txPr/>
+    <dgm:style>
+      <a:lnRef idx="0">
+        <a:scrgbClr r="0" g="0" b="0"/>
+      </a:lnRef>
+      <a:fillRef idx="3">
+        <a:scrgbClr r="0" g="0" b="0"/>
+      </a:fillRef>
+      <a:effectRef idx="2">
+        <a:scrgbClr r="0" g="0" b="0"/>
+      </a:effectRef>
+      <a:fontRef idx="minor">
+        <a:schemeClr val="tx1"/>
+      </a:fontRef>
+    </dgm:style>
+  </dgm:styleLbl>
+  <dgm:styleLbl name="alingNode1">
+    <dgm:scene3d>
+      <a:camera prst="orthographicFront"/>
+      <a:lightRig rig="threePt" dir="t">
+        <a:rot lat="0" lon="0" rev="7500000"/>
+      </a:lightRig>
+    </dgm:scene3d>
+    <dgm:sp3d prstMaterial="plastic">
+      <a:bevelT w="127000" h="25400" prst="relaxedInset"/>
+    </dgm:sp3d>
+    <dgm:txPr/>
+    <dgm:style>
+      <a:lnRef idx="0">
+        <a:scrgbClr r="0" g="0" b="0"/>
+      </a:lnRef>
+      <a:fillRef idx="3">
+        <a:scrgbClr r="0" g="0" b="0"/>
+      </a:fillRef>
+      <a:effectRef idx="2">
+        <a:scrgbClr r="0" g="0" b="0"/>
+      </a:effectRef>
+      <a:fontRef idx="minor">
+        <a:schemeClr val="lt1"/>
+      </a:fontRef>
+    </dgm:style>
+  </dgm:styleLbl>
+  <dgm:styleLbl name="node1">
+    <dgm:scene3d>
+      <a:camera prst="orthographicFront"/>
+      <a:lightRig rig="threePt" dir="t">
+        <a:rot lat="0" lon="0" rev="7500000"/>
+      </a:lightRig>
+    </dgm:scene3d>
+    <dgm:sp3d prstMaterial="plastic">
+      <a:bevelT w="127000" h="25400" prst="relaxedInset"/>
+    </dgm:sp3d>
+    <dgm:txPr/>
+    <dgm:style>
+      <a:lnRef idx="0">
+        <a:scrgbClr r="0" g="0" b="0"/>
+      </a:lnRef>
+      <a:fillRef idx="3">
+        <a:scrgbClr r="0" g="0" b="0"/>
+      </a:fillRef>
+      <a:effectRef idx="2">
+        <a:scrgbClr r="0" g="0" b="0"/>
+      </a:effectRef>
+      <a:fontRef idx="minor">
+        <a:schemeClr val="lt1"/>
+      </a:fontRef>
+    </dgm:style>
+  </dgm:styleLbl>
+  <dgm:styleLbl name="node2">
+    <dgm:scene3d>
+      <a:camera prst="orthographicFront"/>
+      <a:lightRig rig="threePt" dir="t">
+        <a:rot lat="0" lon="0" rev="7500000"/>
+      </a:lightRig>
+    </dgm:scene3d>
+    <dgm:sp3d prstMaterial="plastic">
+      <a:bevelT w="127000" h="25400" prst="relaxedInset"/>
+    </dgm:sp3d>
+    <dgm:txPr/>
+    <dgm:style>
+      <a:lnRef idx="0">
+        <a:scrgbClr r="0" g="0" b="0"/>
+      </a:lnRef>
+      <a:fillRef idx="3">
+        <a:scrgbClr r="0" g="0" b="0"/>
+      </a:fillRef>
+      <a:effectRef idx="2">
+        <a:scrgbClr r="0" g="0" b="0"/>
+      </a:effectRef>
+      <a:fontRef idx="minor">
+        <a:schemeClr val="lt1"/>
+      </a:fontRef>
+    </dgm:style>
+  </dgm:styleLbl>
+  <dgm:styleLbl name="node3">
+    <dgm:scene3d>
+      <a:camera prst="orthographicFront"/>
+      <a:lightRig rig="threePt" dir="t">
+        <a:rot lat="0" lon="0" rev="7500000"/>
+      </a:lightRig>
+    </dgm:scene3d>
+    <dgm:sp3d prstMaterial="plastic">
+      <a:bevelT w="127000" h="25400" prst="relaxedInset"/>
+    </dgm:sp3d>
+    <dgm:txPr/>
+    <dgm:style>
+      <a:lnRef idx="0">
+        <a:scrgbClr r="0" g="0" b="0"/>
+      </a:lnRef>
+      <a:fillRef idx="3">
+        <a:scrgbClr r="0" g="0" b="0"/>
+      </a:fillRef>
+      <a:effectRef idx="2">
+        <a:scrgbClr r="0" g="0" b="0"/>
+      </a:effectRef>
+      <a:fontRef idx="minor">
+        <a:schemeClr val="lt1"/>
+      </a:fontRef>
+    </dgm:style>
+  </dgm:styleLbl>
+  <dgm:styleLbl name="node4">
+    <dgm:scene3d>
+      <a:camera prst="orthographicFront"/>
+      <a:lightRig rig="threePt" dir="t">
+        <a:rot lat="0" lon="0" rev="7500000"/>
+      </a:lightRig>
+    </dgm:scene3d>
+    <dgm:sp3d prstMaterial="plastic">
+      <a:bevelT w="127000" h="25400" prst="relaxedInset"/>
+    </dgm:sp3d>
+    <dgm:txPr/>
+    <dgm:style>
+      <a:lnRef idx="0">
+        <a:scrgbClr r="0" g="0" b="0"/>
+      </a:lnRef>
+      <a:fillRef idx="3">
+        <a:scrgbClr r="0" g="0" b="0"/>
+      </a:fillRef>
+      <a:effectRef idx="2">
+        <a:scrgbClr r="0" g="0" b="0"/>
+      </a:effectRef>
+      <a:fontRef idx="minor">
+        <a:schemeClr val="lt1"/>
+      </a:fontRef>
+    </dgm:style>
+  </dgm:styleLbl>
+  <dgm:styleLbl name="fgImgPlace1">
+    <dgm:scene3d>
+      <a:camera prst="orthographicFront"/>
+      <a:lightRig rig="threePt" dir="t">
+        <a:rot lat="0" lon="0" rev="7500000"/>
+      </a:lightRig>
+    </dgm:scene3d>
+    <dgm:sp3d z="152400" extrusionH="63500" prstMaterial="matte">
+      <a:bevelT w="50800" h="19050" prst="relaxedInset"/>
+      <a:contourClr>
+        <a:schemeClr val="bg1"/>
+      </a:contourClr>
+    </dgm:sp3d>
+    <dgm:txPr/>
+    <dgm:style>
+      <a:lnRef idx="0">
+        <a:scrgbClr r="0" g="0" b="0"/>
+      </a:lnRef>
+      <a:fillRef idx="1">
+        <a:scrgbClr r="0" g="0" b="0"/>
+      </a:fillRef>
+      <a:effectRef idx="0">
+        <a:scrgbClr r="0" g="0" b="0"/>
+      </a:effectRef>
+      <a:fontRef idx="minor"/>
+    </dgm:style>
+  </dgm:styleLbl>
+  <dgm:styleLbl name="alignImgPlace1">
+    <dgm:scene3d>
+      <a:camera prst="orthographicFront"/>
+      <a:lightRig rig="threePt" dir="t">
+        <a:rot lat="0" lon="0" rev="7500000"/>
+      </a:lightRig>
+    </dgm:scene3d>
+    <dgm:sp3d z="254000" extrusionH="63500" contourW="12700" prstMaterial="matte">
+      <a:contourClr>
+        <a:schemeClr val="lt1"/>
+      </a:contourClr>
+    </dgm:sp3d>
+    <dgm:txPr/>
+    <dgm:style>
+      <a:lnRef idx="0">
+        <a:scrgbClr r="0" g="0" b="0"/>
+      </a:lnRef>
+      <a:fillRef idx="1">
+        <a:scrgbClr r="0" g="0" b="0"/>
+      </a:fillRef>
+      <a:effectRef idx="0">
+        <a:scrgbClr r="0" g="0" b="0"/>
+      </a:effectRef>
+      <a:fontRef idx="minor"/>
+    </dgm:style>
+  </dgm:styleLbl>
+  <dgm:styleLbl name="bgImgPlace1">
+    <dgm:scene3d>
+      <a:camera prst="orthographicFront"/>
+      <a:lightRig rig="threePt" dir="t">
+        <a:rot lat="0" lon="0" rev="7500000"/>
+      </a:lightRig>
+    </dgm:scene3d>
+    <dgm:sp3d z="-152400" extrusionH="63500" contourW="12700" prstMaterial="matte">
+      <a:contourClr>
+        <a:schemeClr val="lt1"/>
+      </a:contourClr>
+    </dgm:sp3d>
+    <dgm:txPr/>
+    <dgm:style>
+      <a:lnRef idx="0">
+        <a:scrgbClr r="0" g="0" b="0"/>
+      </a:lnRef>
+      <a:fillRef idx="1">
+        <a:scrgbClr r="0" g="0" b="0"/>
+      </a:fillRef>
+      <a:effectRef idx="0">
+        <a:scrgbClr r="0" g="0" b="0"/>
+      </a:effectRef>
+      <a:fontRef idx="minor"/>
+    </dgm:style>
+  </dgm:styleLbl>
+  <dgm:styleLbl name="sibTrans2D1">
+    <dgm:scene3d>
+      <a:camera prst="orthographicFront"/>
+      <a:lightRig rig="threePt" dir="t">
+        <a:rot lat="0" lon="0" rev="7500000"/>
+      </a:lightRig>
+    </dgm:scene3d>
+    <dgm:sp3d z="-70000" extrusionH="63500" prstMaterial="matte">
+      <a:bevelT w="25400" h="6350" prst="relaxedInset"/>
+      <a:contourClr>
+        <a:schemeClr val="bg1"/>
+      </a:contourClr>
+    </dgm:sp3d>
+    <dgm:txPr/>
+    <dgm:style>
+      <a:lnRef idx="0">
+        <a:scrgbClr r="0" g="0" b="0"/>
+      </a:lnRef>
+      <a:fillRef idx="1">
+        <a:scrgbClr r="0" g="0" b="0"/>
+      </a:fillRef>
+      <a:effectRef idx="2">
+        <a:scrgbClr r="0" g="0" b="0"/>
+      </a:effectRef>
+      <a:fontRef idx="minor">
+        <a:schemeClr val="lt1"/>
+      </a:fontRef>
+    </dgm:style>
+  </dgm:styleLbl>
+  <dgm:styleLbl name="fgSibTrans2D1">
+    <dgm:scene3d>
+      <a:camera prst="orthographicFront"/>
+      <a:lightRig rig="threePt" dir="t">
+        <a:rot lat="0" lon="0" rev="7500000"/>
+      </a:lightRig>
+    </dgm:scene3d>
+    <dgm:sp3d z="152400" extrusionH="63500" prstMaterial="matte">
+      <a:bevelT w="25400" h="6350" prst="relaxedInset"/>
+      <a:contourClr>
+        <a:schemeClr val="bg1"/>
+      </a:contourClr>
+    </dgm:sp3d>
+    <dgm:txPr/>
+    <dgm:style>
+      <a:lnRef idx="0">
+        <a:scrgbClr r="0" g="0" b="0"/>
+      </a:lnRef>
+      <a:fillRef idx="1">
+        <a:scrgbClr r="0" g="0" b="0"/>
+      </a:fillRef>
+      <a:effectRef idx="2">
+        <a:scrgbClr r="0" g="0" b="0"/>
+      </a:effectRef>
+      <a:fontRef idx="minor">
+        <a:schemeClr val="lt1"/>
+      </a:fontRef>
+    </dgm:style>
+  </dgm:styleLbl>
+  <dgm:styleLbl name="bgSibTrans2D1">
+    <dgm:scene3d>
+      <a:camera prst="orthographicFront"/>
+      <a:lightRig rig="threePt" dir="t">
+        <a:rot lat="0" lon="0" rev="7500000"/>
+      </a:lightRig>
+    </dgm:scene3d>
+    <dgm:sp3d z="-152400" extrusionH="63500" prstMaterial="matte">
+      <a:bevelT w="25400" h="6350" prst="relaxedInset"/>
+      <a:contourClr>
+        <a:schemeClr val="bg1"/>
+      </a:contourClr>
+    </dgm:sp3d>
+    <dgm:txPr/>
+    <dgm:style>
+      <a:lnRef idx="0">
+        <a:scrgbClr r="0" g="0" b="0"/>
+      </a:lnRef>
+      <a:fillRef idx="1">
+        <a:scrgbClr r="0" g="0" b="0"/>
+      </a:fillRef>
+      <a:effectRef idx="2">
+        <a:scrgbClr r="0" g="0" b="0"/>
+      </a:effectRef>
+      <a:fontRef idx="minor">
+        <a:schemeClr val="lt1"/>
+      </a:fontRef>
+    </dgm:style>
+  </dgm:styleLbl>
+  <dgm:styleLbl name="sibTrans1D1">
+    <dgm:scene3d>
+      <a:camera prst="orthographicFront"/>
+      <a:lightRig rig="threePt" dir="t">
+        <a:rot lat="0" lon="0" rev="7500000"/>
+      </a:lightRig>
+    </dgm:scene3d>
+    <dgm:sp3d z="-40000" prstMaterial="matte"/>
+    <dgm:txPr/>
+    <dgm:style>
+      <a:lnRef idx="1">
+        <a:scrgbClr r="0" g="0" b="0"/>
+      </a:lnRef>
+      <a:fillRef idx="0">
+        <a:scrgbClr r="0" g="0" b="0"/>
+      </a:fillRef>
+      <a:effectRef idx="0">
+        <a:scrgbClr r="0" g="0" b="0"/>
+      </a:effectRef>
+      <a:fontRef idx="minor"/>
+    </dgm:style>
+  </dgm:styleLbl>
+  <dgm:styleLbl name="callout">
+    <dgm:scene3d>
+      <a:camera prst="orthographicFront"/>
+      <a:lightRig rig="threePt" dir="t">
+        <a:rot lat="0" lon="0" rev="7500000"/>
+      </a:lightRig>
+    </dgm:scene3d>
+    <dgm:sp3d z="127000" prstMaterial="matte"/>
+    <dgm:txPr/>
+    <dgm:style>
+      <a:lnRef idx="2">
+        <a:scrgbClr r="0" g="0" b="0"/>
+      </a:lnRef>
+      <a:fillRef idx="1">
+        <a:scrgbClr r="0" g="0" b="0"/>
+      </a:fillRef>
+      <a:effectRef idx="0">
+        <a:scrgbClr r="0" g="0" b="0"/>
+      </a:effectRef>
+      <a:fontRef idx="minor"/>
+    </dgm:style>
+  </dgm:styleLbl>
+  <dgm:styleLbl name="asst0">
+    <dgm:scene3d>
+      <a:camera prst="orthographicFront"/>
+      <a:lightRig rig="threePt" dir="t">
+        <a:rot lat="0" lon="0" rev="7500000"/>
+      </a:lightRig>
+    </dgm:scene3d>
+    <dgm:sp3d prstMaterial="plastic">
+      <a:bevelT w="127000" h="25400" prst="relaxedInset"/>
+    </dgm:sp3d>
+    <dgm:txPr/>
+    <dgm:style>
+      <a:lnRef idx="0">
+        <a:scrgbClr r="0" g="0" b="0"/>
+      </a:lnRef>
+      <a:fillRef idx="3">
+        <a:scrgbClr r="0" g="0" b="0"/>
+      </a:fillRef>
+      <a:effectRef idx="2">
+        <a:scrgbClr r="0" g="0" b="0"/>
+      </a:effectRef>
+      <a:fontRef idx="minor">
+        <a:schemeClr val="lt1"/>
+      </a:fontRef>
+    </dgm:style>
+  </dgm:styleLbl>
+  <dgm:styleLbl name="asst1">
+    <dgm:scene3d>
+      <a:camera prst="orthographicFront"/>
+      <a:lightRig rig="threePt" dir="t">
+        <a:rot lat="0" lon="0" rev="7500000"/>
+      </a:lightRig>
+    </dgm:scene3d>
+    <dgm:sp3d prstMaterial="plastic">
+      <a:bevelT w="127000" h="25400" prst="relaxedInset"/>
+    </dgm:sp3d>
+    <dgm:txPr/>
+    <dgm:style>
+      <a:lnRef idx="0">
+        <a:scrgbClr r="0" g="0" b="0"/>
+      </a:lnRef>
+      <a:fillRef idx="3">
+        <a:scrgbClr r="0" g="0" b="0"/>
+      </a:fillRef>
+      <a:effectRef idx="2">
+        <a:scrgbClr r="0" g="0" b="0"/>
+      </a:effectRef>
+      <a:fontRef idx="minor">
+        <a:schemeClr val="lt1"/>
+      </a:fontRef>
+    </dgm:style>
+  </dgm:styleLbl>
+  <dgm:styleLbl name="asst2">
+    <dgm:scene3d>
+      <a:camera prst="orthographicFront"/>
+      <a:lightRig rig="threePt" dir="t">
+        <a:rot lat="0" lon="0" rev="7500000"/>
+      </a:lightRig>
+    </dgm:scene3d>
+    <dgm:sp3d prstMaterial="plastic">
+      <a:bevelT w="127000" h="25400" prst="relaxedInset"/>
+    </dgm:sp3d>
+    <dgm:txPr/>
+    <dgm:style>
+      <a:lnRef idx="0">
+        <a:scrgbClr r="0" g="0" b="0"/>
+      </a:lnRef>
+      <a:fillRef idx="3">
+        <a:scrgbClr r="0" g="0" b="0"/>
+      </a:fillRef>
+      <a:effectRef idx="2">
+        <a:scrgbClr r="0" g="0" b="0"/>
+      </a:effectRef>
+      <a:fontRef idx="minor">
+        <a:schemeClr val="lt1"/>
+      </a:fontRef>
+    </dgm:style>
+  </dgm:styleLbl>
+  <dgm:styleLbl name="asst3">
+    <dgm:scene3d>
+      <a:camera prst="orthographicFront"/>
+      <a:lightRig rig="threePt" dir="t">
+        <a:rot lat="0" lon="0" rev="7500000"/>
+      </a:lightRig>
+    </dgm:scene3d>
+    <dgm:sp3d prstMaterial="plastic">
+      <a:bevelT w="127000" h="25400" prst="relaxedInset"/>
+    </dgm:sp3d>
+    <dgm:txPr/>
+    <dgm:style>
+      <a:lnRef idx="0">
+        <a:scrgbClr r="0" g="0" b="0"/>
+      </a:lnRef>
+      <a:fillRef idx="3">
+        <a:scrgbClr r="0" g="0" b="0"/>
+      </a:fillRef>
+      <a:effectRef idx="2">
+        <a:scrgbClr r="0" g="0" b="0"/>
+      </a:effectRef>
+      <a:fontRef idx="minor">
+        <a:schemeClr val="lt1"/>
+      </a:fontRef>
+    </dgm:style>
+  </dgm:styleLbl>
+  <dgm:styleLbl name="parChTrans2D1">
+    <dgm:scene3d>
+      <a:camera prst="orthographicFront"/>
+      <a:lightRig rig="threePt" dir="t">
+        <a:rot lat="0" lon="0" rev="7500000"/>
+      </a:lightRig>
+    </dgm:scene3d>
+    <dgm:sp3d extrusionH="63500" prstMaterial="matte">
+      <a:bevelT w="50800" h="19050" prst="relaxedInset"/>
+      <a:contourClr>
+        <a:schemeClr val="bg1"/>
+      </a:contourClr>
+    </dgm:sp3d>
+    <dgm:txPr/>
+    <dgm:style>
+      <a:lnRef idx="0">
+        <a:scrgbClr r="0" g="0" b="0"/>
+      </a:lnRef>
+      <a:fillRef idx="1">
+        <a:scrgbClr r="0" g="0" b="0"/>
+      </a:fillRef>
+      <a:effectRef idx="2">
+        <a:scrgbClr r="0" g="0" b="0"/>
+      </a:effectRef>
+      <a:fontRef idx="minor">
+        <a:schemeClr val="lt1"/>
+      </a:fontRef>
+    </dgm:style>
+  </dgm:styleLbl>
+  <dgm:styleLbl name="parChTrans2D2">
+    <dgm:scene3d>
+      <a:camera prst="orthographicFront"/>
+      <a:lightRig rig="threePt" dir="t">
+        <a:rot lat="0" lon="0" rev="7500000"/>
+      </a:lightRig>
+    </dgm:scene3d>
+    <dgm:sp3d extrusionH="63500" prstMaterial="matte">
+      <a:bevelT w="50800" h="19050" prst="relaxedInset"/>
+      <a:contourClr>
+        <a:schemeClr val="bg1"/>
+      </a:contourClr>
+    </dgm:sp3d>
+    <dgm:txPr/>
+    <dgm:style>
+      <a:lnRef idx="0">
+        <a:scrgbClr r="0" g="0" b="0"/>
+      </a:lnRef>
+      <a:fillRef idx="1">
+        <a:scrgbClr r="0" g="0" b="0"/>
+      </a:fillRef>
+      <a:effectRef idx="0">
+        <a:scrgbClr r="0" g="0" b="0"/>
+      </a:effectRef>
+      <a:fontRef idx="minor">
+        <a:schemeClr val="lt1"/>
+      </a:fontRef>
+    </dgm:style>
+  </dgm:styleLbl>
+  <dgm:styleLbl name="parChTrans2D3">
+    <dgm:scene3d>
+      <a:camera prst="orthographicFront"/>
+      <a:lightRig rig="threePt" dir="t">
+        <a:rot lat="0" lon="0" rev="7500000"/>
+      </a:lightRig>
+    </dgm:scene3d>
+    <dgm:sp3d z="60000" prstMaterial="flat">
+      <a:bevelT w="120900" h="88900"/>
+    </dgm:sp3d>
+    <dgm:txPr/>
+    <dgm:style>
+      <a:lnRef idx="0">
+        <a:scrgbClr r="0" g="0" b="0"/>
+      </a:lnRef>
+      <a:fillRef idx="3">
+        <a:scrgbClr r="0" g="0" b="0"/>
+      </a:fillRef>
+      <a:effectRef idx="1">
+        <a:scrgbClr r="0" g="0" b="0"/>
+      </a:effectRef>
+      <a:fontRef idx="minor">
+        <a:schemeClr val="lt1"/>
+      </a:fontRef>
+    </dgm:style>
+  </dgm:styleLbl>
+  <dgm:styleLbl name="parChTrans2D4">
+    <dgm:scene3d>
+      <a:camera prst="orthographicFront"/>
+      <a:lightRig rig="threePt" dir="t">
+        <a:rot lat="0" lon="0" rev="7500000"/>
+      </a:lightRig>
+    </dgm:scene3d>
+    <dgm:sp3d z="60000" prstMaterial="flat">
+      <a:bevelT w="120900" h="88900"/>
+    </dgm:sp3d>
+    <dgm:txPr/>
+    <dgm:style>
+      <a:lnRef idx="0">
+        <a:scrgbClr r="0" g="0" b="0"/>
+      </a:lnRef>
+      <a:fillRef idx="3">
+        <a:scrgbClr r="0" g="0" b="0"/>
+      </a:fillRef>
+      <a:effectRef idx="1">
+        <a:scrgbClr r="0" g="0" b="0"/>
+      </a:effectRef>
+      <a:fontRef idx="minor">
+        <a:schemeClr val="lt1"/>
+      </a:fontRef>
+    </dgm:style>
+  </dgm:styleLbl>
+  <dgm:styleLbl name="parChTrans1D1">
+    <dgm:scene3d>
+      <a:camera prst="orthographicFront"/>
+      <a:lightRig rig="threePt" dir="t">
+        <a:rot lat="0" lon="0" rev="7500000"/>
+      </a:lightRig>
+    </dgm:scene3d>
+    <dgm:sp3d z="-40000" prstMaterial="matte"/>
+    <dgm:txPr/>
+    <dgm:style>
+      <a:lnRef idx="2">
+        <a:scrgbClr r="0" g="0" b="0"/>
+      </a:lnRef>
+      <a:fillRef idx="0">
+        <a:scrgbClr r="0" g="0" b="0"/>
+      </a:fillRef>
+      <a:effectRef idx="0">
+        <a:scrgbClr r="0" g="0" b="0"/>
+      </a:effectRef>
+      <a:fontRef idx="minor"/>
+    </dgm:style>
+  </dgm:styleLbl>
+  <dgm:styleLbl name="parChTrans1D2">
+    <dgm:scene3d>
+      <a:camera prst="orthographicFront"/>
+      <a:lightRig rig="threePt" dir="t">
+        <a:rot lat="0" lon="0" rev="7500000"/>
+      </a:lightRig>
+    </dgm:scene3d>
+    <dgm:sp3d z="-40000" prstMaterial="matte"/>
+    <dgm:txPr/>
+    <dgm:style>
+      <a:lnRef idx="2">
+        <a:scrgbClr r="0" g="0" b="0"/>
+      </a:lnRef>
+      <a:fillRef idx="0">
+        <a:scrgbClr r="0" g="0" b="0"/>
+      </a:fillRef>
+      <a:effectRef idx="0">
+        <a:scrgbClr r="0" g="0" b="0"/>
+      </a:effectRef>
+      <a:fontRef idx="minor"/>
+    </dgm:style>
+  </dgm:styleLbl>
+  <dgm:styleLbl name="parChTrans1D3">
+    <dgm:scene3d>
+      <a:camera prst="orthographicFront"/>
+      <a:lightRig rig="threePt" dir="t">
+        <a:rot lat="0" lon="0" rev="7500000"/>
+      </a:lightRig>
+    </dgm:scene3d>
+    <dgm:sp3d z="-40000" prstMaterial="matte"/>
+    <dgm:txPr/>
+    <dgm:style>
+      <a:lnRef idx="2">
+        <a:scrgbClr r="0" g="0" b="0"/>
+      </a:lnRef>
+      <a:fillRef idx="0">
+        <a:scrgbClr r="0" g="0" b="0"/>
+      </a:fillRef>
+      <a:effectRef idx="0">
+        <a:scrgbClr r="0" g="0" b="0"/>
+      </a:effectRef>
+      <a:fontRef idx="minor"/>
+    </dgm:style>
+  </dgm:styleLbl>
+  <dgm:styleLbl name="parChTrans1D4">
+    <dgm:scene3d>
+      <a:camera prst="orthographicFront"/>
+      <a:lightRig rig="threePt" dir="t">
+        <a:rot lat="0" lon="0" rev="7500000"/>
+      </a:lightRig>
+    </dgm:scene3d>
+    <dgm:sp3d z="-40000" prstMaterial="matte"/>
+    <dgm:txPr/>
+    <dgm:style>
+      <a:lnRef idx="2">
+        <a:scrgbClr r="0" g="0" b="0"/>
+      </a:lnRef>
+      <a:fillRef idx="0">
+        <a:scrgbClr r="0" g="0" b="0"/>
+      </a:fillRef>
+      <a:effectRef idx="0">
+        <a:scrgbClr r="0" g="0" b="0"/>
+      </a:effectRef>
+      <a:fontRef idx="minor"/>
+    </dgm:style>
+  </dgm:styleLbl>
+  <dgm:styleLbl name="fgAcc1">
+    <dgm:scene3d>
+      <a:camera prst="orthographicFront"/>
+      <a:lightRig rig="threePt" dir="t">
+        <a:rot lat="0" lon="0" rev="7500000"/>
+      </a:lightRig>
+    </dgm:scene3d>
+    <dgm:sp3d z="152400" extrusionH="63500" prstMaterial="dkEdge">
+      <a:bevelT w="135400" h="16350" prst="relaxedInset"/>
+      <a:contourClr>
+        <a:schemeClr val="bg1"/>
+      </a:contourClr>
+    </dgm:sp3d>
+    <dgm:txPr/>
+    <dgm:style>
+      <a:lnRef idx="1">
+        <a:scrgbClr r="0" g="0" b="0"/>
+      </a:lnRef>
+      <a:fillRef idx="1">
+        <a:scrgbClr r="0" g="0" b="0"/>
+      </a:fillRef>
+      <a:effectRef idx="2">
+        <a:scrgbClr r="0" g="0" b="0"/>
+      </a:effectRef>
+      <a:fontRef idx="minor"/>
+    </dgm:style>
+  </dgm:styleLbl>
+  <dgm:styleLbl name="conFgAcc1">
+    <dgm:scene3d>
+      <a:camera prst="orthographicFront"/>
+      <a:lightRig rig="threePt" dir="t">
+        <a:rot lat="0" lon="0" rev="7500000"/>
+      </a:lightRig>
+    </dgm:scene3d>
+    <dgm:sp3d z="152400" extrusionH="63500" prstMaterial="dkEdge">
+      <a:bevelT w="135400" h="16350" prst="relaxedInset"/>
+      <a:contourClr>
+        <a:schemeClr val="bg1"/>
+      </a:contourClr>
+    </dgm:sp3d>
+    <dgm:txPr/>
+    <dgm:style>
+      <a:lnRef idx="1">
+        <a:scrgbClr r="0" g="0" b="0"/>
+      </a:lnRef>
+      <a:fillRef idx="1">
+        <a:scrgbClr r="0" g="0" b="0"/>
+      </a:fillRef>
+      <a:effectRef idx="2">
+        <a:scrgbClr r="0" g="0" b="0"/>
+      </a:effectRef>
+      <a:fontRef idx="minor"/>
+    </dgm:style>
+  </dgm:styleLbl>
+  <dgm:styleLbl name="alignAcc1">
+    <dgm:scene3d>
+      <a:camera prst="orthographicFront"/>
+      <a:lightRig rig="threePt" dir="t">
+        <a:rot lat="0" lon="0" rev="7500000"/>
+      </a:lightRig>
+    </dgm:scene3d>
+    <dgm:sp3d extrusionH="190500" prstMaterial="dkEdge">
+      <a:bevelT w="135400" h="16350" prst="relaxedInset"/>
+      <a:contourClr>
+        <a:schemeClr val="bg1"/>
+      </a:contourClr>
+    </dgm:sp3d>
+    <dgm:txPr/>
+    <dgm:style>
+      <a:lnRef idx="1">
+        <a:scrgbClr r="0" g="0" b="0"/>
+      </a:lnRef>
+      <a:fillRef idx="1">
+        <a:scrgbClr r="0" g="0" b="0"/>
+      </a:fillRef>
+      <a:effectRef idx="2">
+        <a:scrgbClr r="0" g="0" b="0"/>
+      </a:effectRef>
+      <a:fontRef idx="minor"/>
+    </dgm:style>
+  </dgm:styleLbl>
+  <dgm:styleLbl name="trAlignAcc1">
+    <dgm:scene3d>
+      <a:camera prst="orthographicFront"/>
+      <a:lightRig rig="threePt" dir="t">
+        <a:rot lat="0" lon="0" rev="7500000"/>
+      </a:lightRig>
+    </dgm:scene3d>
+    <dgm:sp3d prstMaterial="plastic">
+      <a:bevelT w="127000" h="35400"/>
+    </dgm:sp3d>
+    <dgm:txPr/>
+    <dgm:style>
+      <a:lnRef idx="1">
+        <a:scrgbClr r="0" g="0" b="0"/>
+      </a:lnRef>
+      <a:fillRef idx="1">
+        <a:scrgbClr r="0" g="0" b="0"/>
+      </a:fillRef>
+      <a:effectRef idx="2">
+        <a:scrgbClr r="0" g="0" b="0"/>
+      </a:effectRef>
+      <a:fontRef idx="minor">
+        <a:schemeClr val="lt1"/>
+      </a:fontRef>
+    </dgm:style>
+  </dgm:styleLbl>
+  <dgm:styleLbl name="bgAcc1">
+    <dgm:scene3d>
+      <a:camera prst="orthographicFront"/>
+      <a:lightRig rig="threePt" dir="t">
+        <a:rot lat="0" lon="0" rev="7500000"/>
+      </a:lightRig>
+    </dgm:scene3d>
+    <dgm:sp3d z="-152400" extrusionH="63500" prstMaterial="dkEdge">
+      <a:bevelT w="124450" h="16350" prst="relaxedInset"/>
+      <a:contourClr>
+        <a:schemeClr val="bg1"/>
+      </a:contourClr>
+    </dgm:sp3d>
+    <dgm:txPr/>
+    <dgm:style>
+      <a:lnRef idx="1">
+        <a:scrgbClr r="0" g="0" b="0"/>
+      </a:lnRef>
+      <a:fillRef idx="1">
+        <a:scrgbClr r="0" g="0" b="0"/>
+      </a:fillRef>
+      <a:effectRef idx="0">
+        <a:scrgbClr r="0" g="0" b="0"/>
+      </a:effectRef>
+      <a:fontRef idx="minor"/>
+    </dgm:style>
+  </dgm:styleLbl>
+  <dgm:styleLbl name="solidFgAcc1">
+    <dgm:scene3d>
+      <a:camera prst="orthographicFront"/>
+      <a:lightRig rig="threePt" dir="t">
+        <a:rot lat="0" lon="0" rev="7500000"/>
+      </a:lightRig>
+    </dgm:scene3d>
+    <dgm:sp3d z="152400" extrusionH="63500" prstMaterial="dkEdge">
+      <a:bevelT w="120800" h="19050" prst="relaxedInset"/>
+      <a:contourClr>
+        <a:schemeClr val="bg1"/>
+      </a:contourClr>
+    </dgm:sp3d>
+    <dgm:txPr/>
+    <dgm:style>
+      <a:lnRef idx="1">
+        <a:scrgbClr r="0" g="0" b="0"/>
+      </a:lnRef>
+      <a:fillRef idx="1">
+        <a:scrgbClr r="0" g="0" b="0"/>
+      </a:fillRef>
+      <a:effectRef idx="2">
+        <a:scrgbClr r="0" g="0" b="0"/>
+      </a:effectRef>
+      <a:fontRef idx="minor"/>
+    </dgm:style>
+  </dgm:styleLbl>
+  <dgm:styleLbl name="solidAlignAcc1">
+    <dgm:scene3d>
+      <a:camera prst="orthographicFront"/>
+      <a:lightRig rig="threePt" dir="t">
+        <a:rot lat="0" lon="0" rev="7500000"/>
+      </a:lightRig>
+    </dgm:scene3d>
+    <dgm:sp3d extrusionH="190500" prstMaterial="dkEdge">
+      <a:bevelT w="120650" h="38100" prst="relaxedInset"/>
+      <a:contourClr>
+        <a:schemeClr val="bg1"/>
+      </a:contourClr>
+    </dgm:sp3d>
+    <dgm:txPr/>
+    <dgm:style>
+      <a:lnRef idx="1">
+        <a:scrgbClr r="0" g="0" b="0"/>
+      </a:lnRef>
+      <a:fillRef idx="1">
+        <a:scrgbClr r="0" g="0" b="0"/>
+      </a:fillRef>
+      <a:effectRef idx="2">
+        <a:scrgbClr r="0" g="0" b="0"/>
+      </a:effectRef>
+      <a:fontRef idx="minor"/>
+    </dgm:style>
+  </dgm:styleLbl>
+  <dgm:styleLbl name="solidBgAcc1">
+    <dgm:scene3d>
+      <a:camera prst="orthographicFront"/>
+      <a:lightRig rig="threePt" dir="t">
+        <a:rot lat="0" lon="0" rev="7500000"/>
+      </a:lightRig>
+    </dgm:scene3d>
+    <dgm:sp3d z="-152400" extrusionH="63500" prstMaterial="dkEdge">
+      <a:bevelT w="144450" h="36350" prst="relaxedInset"/>
+      <a:contourClr>
+        <a:schemeClr val="bg1"/>
+      </a:contourClr>
+    </dgm:sp3d>
+    <dgm:txPr/>
+    <dgm:style>
+      <a:lnRef idx="1">
+        <a:scrgbClr r="0" g="0" b="0"/>
+      </a:lnRef>
+      <a:fillRef idx="1">
+        <a:scrgbClr r="0" g="0" b="0"/>
+      </a:fillRef>
+      <a:effectRef idx="0">
+        <a:scrgbClr r="0" g="0" b="0"/>
+      </a:effectRef>
+      <a:fontRef idx="minor"/>
+    </dgm:style>
+  </dgm:styleLbl>
+  <dgm:styleLbl name="fgAccFollowNode1">
+    <dgm:scene3d>
+      <a:camera prst="orthographicFront"/>
+      <a:lightRig rig="threePt" dir="t">
+        <a:rot lat="0" lon="0" rev="7500000"/>
+      </a:lightRig>
+    </dgm:scene3d>
+    <dgm:sp3d z="152400" extrusionH="63500" prstMaterial="dkEdge">
+      <a:bevelT w="125400" h="36350" prst="relaxedInset"/>
+      <a:contourClr>
+        <a:schemeClr val="bg1"/>
+      </a:contourClr>
+    </dgm:sp3d>
+    <dgm:txPr/>
+    <dgm:style>
+      <a:lnRef idx="1">
+        <a:scrgbClr r="0" g="0" b="0"/>
+      </a:lnRef>
+      <a:fillRef idx="1">
+        <a:scrgbClr r="0" g="0" b="0"/>
+      </a:fillRef>
+      <a:effectRef idx="0">
+        <a:scrgbClr r="0" g="0" b="0"/>
+      </a:effectRef>
+      <a:fontRef idx="minor"/>
+    </dgm:style>
+  </dgm:styleLbl>
+  <dgm:styleLbl name="alignAccFollowNode1">
+    <dgm:scene3d>
+      <a:camera prst="orthographicFront"/>
+      <a:lightRig rig="threePt" dir="t">
+        <a:rot lat="0" lon="0" rev="7500000"/>
+      </a:lightRig>
+    </dgm:scene3d>
+    <dgm:sp3d extrusionH="190500" prstMaterial="dkEdge">
+      <a:bevelT w="120650" h="38100" prst="relaxedInset"/>
+      <a:bevelB w="120650" h="57150" prst="relaxedInset"/>
+      <a:contourClr>
+        <a:schemeClr val="bg1"/>
+      </a:contourClr>
+    </dgm:sp3d>
+    <dgm:txPr/>
+    <dgm:style>
+      <a:lnRef idx="1">
+        <a:scrgbClr r="0" g="0" b="0"/>
+      </a:lnRef>
+      <a:fillRef idx="1">
+        <a:scrgbClr r="0" g="0" b="0"/>
+      </a:fillRef>
+      <a:effectRef idx="2">
+        <a:scrgbClr r="0" g="0" b="0"/>
+      </a:effectRef>
+      <a:fontRef idx="minor"/>
+    </dgm:style>
+  </dgm:styleLbl>
+  <dgm:styleLbl name="bgAccFollowNode1">
+    <dgm:scene3d>
+      <a:camera prst="orthographicFront"/>
+      <a:lightRig rig="threePt" dir="t">
+        <a:rot lat="0" lon="0" rev="7500000"/>
+      </a:lightRig>
+    </dgm:scene3d>
+    <dgm:sp3d z="-152400" extrusionH="63500" prstMaterial="dkEdge">
+      <a:bevelT w="144450" h="36350" prst="relaxedInset"/>
+      <a:contourClr>
+        <a:schemeClr val="bg1"/>
+      </a:contourClr>
+    </dgm:sp3d>
+    <dgm:txPr/>
+    <dgm:style>
+      <a:lnRef idx="1">
+        <a:scrgbClr r="0" g="0" b="0"/>
+      </a:lnRef>
+      <a:fillRef idx="1">
+        <a:scrgbClr r="0" g="0" b="0"/>
+      </a:fillRef>
+      <a:effectRef idx="2">
+        <a:scrgbClr r="0" g="0" b="0"/>
+      </a:effectRef>
+      <a:fontRef idx="minor"/>
+    </dgm:style>
+  </dgm:styleLbl>
+  <dgm:styleLbl name="fgAcc0">
+    <dgm:scene3d>
+      <a:camera prst="orthographicFront"/>
+      <a:lightRig rig="threePt" dir="t">
+        <a:rot lat="0" lon="0" rev="7500000"/>
+      </a:lightRig>
+    </dgm:scene3d>
+    <dgm:sp3d z="152400" extrusionH="63500" prstMaterial="dkEdge">
+      <a:bevelT w="125400" h="36350" prst="relaxedInset"/>
+      <a:contourClr>
+        <a:schemeClr val="bg1"/>
+      </a:contourClr>
+    </dgm:sp3d>
+    <dgm:txPr/>
+    <dgm:style>
+      <a:lnRef idx="1">
+        <a:scrgbClr r="0" g="0" b="0"/>
+      </a:lnRef>
+      <a:fillRef idx="1">
+        <a:scrgbClr r="0" g="0" b="0"/>
+      </a:fillRef>
+      <a:effectRef idx="2">
+        <a:scrgbClr r="0" g="0" b="0"/>
+      </a:effectRef>
+      <a:fontRef idx="minor"/>
+    </dgm:style>
+  </dgm:styleLbl>
+  <dgm:styleLbl name="fgAcc2">
+    <dgm:scene3d>
+      <a:camera prst="orthographicFront"/>
+      <a:lightRig rig="threePt" dir="t">
+        <a:rot lat="0" lon="0" rev="7500000"/>
+      </a:lightRig>
+    </dgm:scene3d>
+    <dgm:sp3d z="152400" extrusionH="63500" prstMaterial="dkEdge">
+      <a:bevelT w="125400" h="36350" prst="relaxedInset"/>
+      <a:contourClr>
+        <a:schemeClr val="bg1"/>
+      </a:contourClr>
+    </dgm:sp3d>
+    <dgm:txPr/>
+    <dgm:style>
+      <a:lnRef idx="1">
+        <a:scrgbClr r="0" g="0" b="0"/>
+      </a:lnRef>
+      <a:fillRef idx="1">
+        <a:scrgbClr r="0" g="0" b="0"/>
+      </a:fillRef>
+      <a:effectRef idx="2">
+        <a:scrgbClr r="0" g="0" b="0"/>
+      </a:effectRef>
+      <a:fontRef idx="minor"/>
+    </dgm:style>
+  </dgm:styleLbl>
+  <dgm:styleLbl name="fgAcc3">
+    <dgm:scene3d>
+      <a:camera prst="orthographicFront"/>
+      <a:lightRig rig="threePt" dir="t">
+        <a:rot lat="0" lon="0" rev="7500000"/>
+      </a:lightRig>
+    </dgm:scene3d>
+    <dgm:sp3d z="152400" extrusionH="63500" prstMaterial="dkEdge">
+      <a:bevelT w="125400" h="36350" prst="relaxedInset"/>
+      <a:contourClr>
+        <a:schemeClr val="bg1"/>
+      </a:contourClr>
+    </dgm:sp3d>
+    <dgm:txPr/>
+    <dgm:style>
+      <a:lnRef idx="1">
+        <a:scrgbClr r="0" g="0" b="0"/>
+      </a:lnRef>
+      <a:fillRef idx="1">
+        <a:scrgbClr r="0" g="0" b="0"/>
+      </a:fillRef>
+      <a:effectRef idx="2">
+        <a:scrgbClr r="0" g="0" b="0"/>
+      </a:effectRef>
+      <a:fontRef idx="minor"/>
+    </dgm:style>
+  </dgm:styleLbl>
+  <dgm:styleLbl name="fgAcc4">
+    <dgm:scene3d>
+      <a:camera prst="orthographicFront"/>
+      <a:lightRig rig="threePt" dir="t">
+        <a:rot lat="0" lon="0" rev="7500000"/>
+      </a:lightRig>
+    </dgm:scene3d>
+    <dgm:sp3d z="152400" extrusionH="63500" prstMaterial="dkEdge">
+      <a:bevelT w="125400" h="36350" prst="relaxedInset"/>
+      <a:contourClr>
+        <a:schemeClr val="bg1"/>
+      </a:contourClr>
+    </dgm:sp3d>
+    <dgm:txPr/>
+    <dgm:style>
+      <a:lnRef idx="1">
+        <a:scrgbClr r="0" g="0" b="0"/>
+      </a:lnRef>
+      <a:fillRef idx="1">
+        <a:scrgbClr r="0" g="0" b="0"/>
+      </a:fillRef>
+      <a:effectRef idx="2">
+        <a:scrgbClr r="0" g="0" b="0"/>
+      </a:effectRef>
+      <a:fontRef idx="minor"/>
+    </dgm:style>
+  </dgm:styleLbl>
+  <dgm:styleLbl name="bgShp">
+    <dgm:scene3d>
+      <a:camera prst="orthographicFront"/>
+      <a:lightRig rig="threePt" dir="t">
+        <a:rot lat="0" lon="0" rev="7500000"/>
+      </a:lightRig>
+    </dgm:scene3d>
+    <dgm:sp3d z="-152400" extrusionH="63500" prstMaterial="matte">
+      <a:bevelT w="144450" h="6350" prst="relaxedInset"/>
+      <a:contourClr>
+        <a:schemeClr val="bg1"/>
+      </a:contourClr>
+    </dgm:sp3d>
+    <dgm:txPr/>
+    <dgm:style>
+      <a:lnRef idx="0">
+        <a:scrgbClr r="0" g="0" b="0"/>
+      </a:lnRef>
+      <a:fillRef idx="3">
+        <a:scrgbClr r="0" g="0" b="0"/>
+      </a:fillRef>
+      <a:effectRef idx="0">
+        <a:scrgbClr r="0" g="0" b="0"/>
+      </a:effectRef>
+      <a:fontRef idx="minor"/>
+    </dgm:style>
+  </dgm:styleLbl>
+  <dgm:styleLbl name="dkBgShp">
+    <dgm:scene3d>
+      <a:camera prst="orthographicFront"/>
+      <a:lightRig rig="threePt" dir="t">
+        <a:rot lat="0" lon="0" rev="7500000"/>
+      </a:lightRig>
+    </dgm:scene3d>
+    <dgm:sp3d prstMaterial="plastic">
+      <a:bevelT w="127000" h="25400" prst="relaxedInset"/>
+      <a:bevelB w="88900" h="121750" prst="angle"/>
+    </dgm:sp3d>
+    <dgm:txPr/>
+    <dgm:style>
+      <a:lnRef idx="0">
+        <a:scrgbClr r="0" g="0" b="0"/>
+      </a:lnRef>
+      <a:fillRef idx="1">
+        <a:scrgbClr r="0" g="0" b="0"/>
+      </a:fillRef>
+      <a:effectRef idx="2">
+        <a:scrgbClr r="0" g="0" b="0"/>
+      </a:effectRef>
+      <a:fontRef idx="minor">
+        <a:schemeClr val="lt1"/>
+      </a:fontRef>
+    </dgm:style>
+  </dgm:styleLbl>
+  <dgm:styleLbl name="trBgShp">
+    <dgm:scene3d>
+      <a:camera prst="orthographicFront"/>
+      <a:lightRig rig="threePt" dir="t"/>
+    </dgm:scene3d>
+    <dgm:sp3d z="-152400" prstMaterial="matte"/>
+    <dgm:txPr/>
+    <dgm:style>
+      <a:lnRef idx="0">
+        <a:scrgbClr r="0" g="0" b="0"/>
+      </a:lnRef>
+      <a:fillRef idx="1">
+        <a:scrgbClr r="0" g="0" b="0"/>
+      </a:fillRef>
+      <a:effectRef idx="0">
+        <a:scrgbClr r="0" g="0" b="0"/>
+      </a:effectRef>
+      <a:fontRef idx="minor"/>
+    </dgm:style>
+  </dgm:styleLbl>
+  <dgm:styleLbl name="fgShp">
+    <dgm:scene3d>
+      <a:camera prst="orthographicFront"/>
+      <a:lightRig rig="threePt" dir="t">
+        <a:rot lat="0" lon="0" rev="7500000"/>
+      </a:lightRig>
+    </dgm:scene3d>
+    <dgm:sp3d z="152400" extrusionH="63500" prstMaterial="matte">
+      <a:bevelT w="50800" h="19050" prst="relaxedInset"/>
+      <a:contourClr>
+        <a:schemeClr val="bg1"/>
+      </a:contourClr>
+    </dgm:sp3d>
+    <dgm:txPr/>
+    <dgm:style>
+      <a:lnRef idx="0">
+        <a:scrgbClr r="0" g="0" b="0"/>
+      </a:lnRef>
+      <a:fillRef idx="1">
+        <a:scrgbClr r="0" g="0" b="0"/>
+      </a:fillRef>
+      <a:effectRef idx="2">
+        <a:scrgbClr r="0" g="0" b="0"/>
+      </a:effectRef>
+      <a:fontRef idx="minor">
+        <a:schemeClr val="lt1"/>
+      </a:fontRef>
+    </dgm:style>
+  </dgm:styleLbl>
+  <dgm:styleLbl name="revTx">
+    <dgm:scene3d>
+      <a:camera prst="orthographicFront"/>
+      <a:lightRig rig="threePt" dir="t"/>
+    </dgm:scene3d>
+    <dgm:sp3d/>
+    <dgm:txPr/>
+    <dgm:style>
+      <a:lnRef idx="0">
         <a:scrgbClr r="0" g="0" b="0"/>
       </a:lnRef>
       <a:fillRef idx="0">
@@ -8048,7 +10936,7 @@
           <a:p>
             <a:fld id="{38A5584B-A459-4E4A-B30E-E331743C31BB}" type="datetimeFigureOut">
               <a:rPr lang="en-IN" smtClean="0"/>
-              <a:t>04-05-2022</a:t>
+              <a:t>08-05-2022</a:t>
             </a:fld>
             <a:endParaRPr lang="en-IN"/>
           </a:p>
@@ -8258,7 +11146,7 @@
           <a:p>
             <a:fld id="{38A5584B-A459-4E4A-B30E-E331743C31BB}" type="datetimeFigureOut">
               <a:rPr lang="en-IN" smtClean="0"/>
-              <a:t>04-05-2022</a:t>
+              <a:t>08-05-2022</a:t>
             </a:fld>
             <a:endParaRPr lang="en-IN"/>
           </a:p>
@@ -8480,7 +11368,7 @@
           <a:p>
             <a:fld id="{38A5584B-A459-4E4A-B30E-E331743C31BB}" type="datetimeFigureOut">
               <a:rPr lang="en-IN" smtClean="0"/>
-              <a:t>04-05-2022</a:t>
+              <a:t>08-05-2022</a:t>
             </a:fld>
             <a:endParaRPr lang="en-IN"/>
           </a:p>
@@ -12325,7 +15213,7 @@
           <a:p>
             <a:fld id="{38A5584B-A459-4E4A-B30E-E331743C31BB}" type="datetimeFigureOut">
               <a:rPr lang="en-IN" smtClean="0"/>
-              <a:t>04-05-2022</a:t>
+              <a:t>08-05-2022</a:t>
             </a:fld>
             <a:endParaRPr lang="en-IN"/>
           </a:p>
@@ -12593,7 +15481,7 @@
           <a:p>
             <a:fld id="{38A5584B-A459-4E4A-B30E-E331743C31BB}" type="datetimeFigureOut">
               <a:rPr lang="en-IN" smtClean="0"/>
-              <a:t>04-05-2022</a:t>
+              <a:t>08-05-2022</a:t>
             </a:fld>
             <a:endParaRPr lang="en-IN"/>
           </a:p>
@@ -13008,7 +15896,7 @@
           <a:p>
             <a:fld id="{38A5584B-A459-4E4A-B30E-E331743C31BB}" type="datetimeFigureOut">
               <a:rPr lang="en-IN" smtClean="0"/>
-              <a:t>04-05-2022</a:t>
+              <a:t>08-05-2022</a:t>
             </a:fld>
             <a:endParaRPr lang="en-IN"/>
           </a:p>
@@ -14264,7 +17152,7 @@
           <a:p>
             <a:fld id="{38A5584B-A459-4E4A-B30E-E331743C31BB}" type="datetimeFigureOut">
               <a:rPr lang="en-IN" smtClean="0"/>
-              <a:t>04-05-2022</a:t>
+              <a:t>08-05-2022</a:t>
             </a:fld>
             <a:endParaRPr lang="en-IN"/>
           </a:p>
@@ -15690,7 +18578,7 @@
           <a:p>
             <a:fld id="{38A5584B-A459-4E4A-B30E-E331743C31BB}" type="datetimeFigureOut">
               <a:rPr lang="en-IN" smtClean="0"/>
-              <a:t>04-05-2022</a:t>
+              <a:t>08-05-2022</a:t>
             </a:fld>
             <a:endParaRPr lang="en-IN"/>
           </a:p>
@@ -15983,7 +18871,7 @@
           <a:p>
             <a:fld id="{38A5584B-A459-4E4A-B30E-E331743C31BB}" type="datetimeFigureOut">
               <a:rPr lang="en-IN" smtClean="0"/>
-              <a:t>04-05-2022</a:t>
+              <a:t>08-05-2022</a:t>
             </a:fld>
             <a:endParaRPr lang="en-IN"/>
           </a:p>
@@ -16226,7 +19114,7 @@
           <a:p>
             <a:fld id="{38A5584B-A459-4E4A-B30E-E331743C31BB}" type="datetimeFigureOut">
               <a:rPr lang="en-IN" smtClean="0"/>
-              <a:t>04-05-2022</a:t>
+              <a:t>08-05-2022</a:t>
             </a:fld>
             <a:endParaRPr lang="en-IN"/>
           </a:p>
@@ -17650,14 +20538,14 @@
           <p:nvPr>
             <p:extLst>
               <p:ext uri="{D42A27DB-BD31-4B8C-83A1-F6EECF244321}">
-                <p14:modId xmlns:p14="http://schemas.microsoft.com/office/powerpoint/2010/main" val="5790775"/>
+                <p14:modId xmlns:p14="http://schemas.microsoft.com/office/powerpoint/2010/main" val="987648186"/>
               </p:ext>
             </p:extLst>
           </p:nvPr>
         </p:nvGraphicFramePr>
         <p:xfrm>
-          <a:off x="1555135" y="1858296"/>
-          <a:ext cx="9081730" cy="2782529"/>
+          <a:off x="1555135" y="2054943"/>
+          <a:ext cx="9081730" cy="2397656"/>
         </p:xfrm>
         <a:graphic>
           <a:graphicData uri="http://schemas.openxmlformats.org/drawingml/2006/diagram">
@@ -17665,6 +20553,331 @@
           </a:graphicData>
         </a:graphic>
       </p:graphicFrame>
+      <p:sp>
+        <p:nvSpPr>
+          <p:cNvPr id="2" name="Left Brace 1">
+            <a:extLst>
+              <a:ext uri="{FF2B5EF4-FFF2-40B4-BE49-F238E27FC236}">
+                <a16:creationId xmlns:a16="http://schemas.microsoft.com/office/drawing/2014/main" id="{71DC657D-8B23-43B0-A3A6-788F63AA23E0}"/>
+              </a:ext>
+            </a:extLst>
+          </p:cNvPr>
+          <p:cNvSpPr/>
+          <p:nvPr/>
+        </p:nvSpPr>
+        <p:spPr>
+          <a:xfrm rot="5400000">
+            <a:off x="7877601" y="-126729"/>
+            <a:ext cx="586011" cy="3539613"/>
+          </a:xfrm>
+          <a:prstGeom prst="leftBrace">
+            <a:avLst>
+              <a:gd name="adj1" fmla="val 0"/>
+              <a:gd name="adj2" fmla="val 50000"/>
+            </a:avLst>
+          </a:prstGeom>
+        </p:spPr>
+        <p:style>
+          <a:lnRef idx="3">
+            <a:schemeClr val="accent2"/>
+          </a:lnRef>
+          <a:fillRef idx="0">
+            <a:schemeClr val="accent2"/>
+          </a:fillRef>
+          <a:effectRef idx="2">
+            <a:schemeClr val="accent2"/>
+          </a:effectRef>
+          <a:fontRef idx="minor">
+            <a:schemeClr val="tx1"/>
+          </a:fontRef>
+        </p:style>
+        <p:txBody>
+          <a:bodyPr rtlCol="0" anchor="ctr"/>
+          <a:lstStyle/>
+          <a:p>
+            <a:pPr algn="ctr"/>
+            <a:endParaRPr lang="en-IN"/>
+          </a:p>
+        </p:txBody>
+      </p:sp>
+      <p:sp>
+        <p:nvSpPr>
+          <p:cNvPr id="6" name="Left Brace 5">
+            <a:extLst>
+              <a:ext uri="{FF2B5EF4-FFF2-40B4-BE49-F238E27FC236}">
+                <a16:creationId xmlns:a16="http://schemas.microsoft.com/office/drawing/2014/main" id="{05D4B458-3992-43C6-881D-D1361732364C}"/>
+              </a:ext>
+            </a:extLst>
+          </p:cNvPr>
+          <p:cNvSpPr/>
+          <p:nvPr/>
+        </p:nvSpPr>
+        <p:spPr>
+          <a:xfrm rot="16200000" flipV="1">
+            <a:off x="7922957" y="3804653"/>
+            <a:ext cx="475633" cy="3696931"/>
+          </a:xfrm>
+          <a:prstGeom prst="leftBrace">
+            <a:avLst>
+              <a:gd name="adj1" fmla="val 0"/>
+              <a:gd name="adj2" fmla="val 50000"/>
+            </a:avLst>
+          </a:prstGeom>
+        </p:spPr>
+        <p:style>
+          <a:lnRef idx="3">
+            <a:schemeClr val="accent2"/>
+          </a:lnRef>
+          <a:fillRef idx="0">
+            <a:schemeClr val="accent2"/>
+          </a:fillRef>
+          <a:effectRef idx="2">
+            <a:schemeClr val="accent2"/>
+          </a:effectRef>
+          <a:fontRef idx="minor">
+            <a:schemeClr val="tx1"/>
+          </a:fontRef>
+        </p:style>
+        <p:txBody>
+          <a:bodyPr rtlCol="0" anchor="ctr"/>
+          <a:lstStyle/>
+          <a:p>
+            <a:pPr algn="ctr"/>
+            <a:endParaRPr lang="en-IN"/>
+          </a:p>
+        </p:txBody>
+      </p:sp>
+      <p:sp>
+        <p:nvSpPr>
+          <p:cNvPr id="3" name="Rectangle: Rounded Corners 2">
+            <a:extLst>
+              <a:ext uri="{FF2B5EF4-FFF2-40B4-BE49-F238E27FC236}">
+                <a16:creationId xmlns:a16="http://schemas.microsoft.com/office/drawing/2014/main" id="{78C3A6F1-2B52-4D5D-8DDE-E2E5A3A9C334}"/>
+              </a:ext>
+            </a:extLst>
+          </p:cNvPr>
+          <p:cNvSpPr/>
+          <p:nvPr/>
+        </p:nvSpPr>
+        <p:spPr>
+          <a:xfrm>
+            <a:off x="6968613" y="834868"/>
+            <a:ext cx="2374488" cy="475634"/>
+          </a:xfrm>
+          <a:prstGeom prst="roundRect">
+            <a:avLst/>
+          </a:prstGeom>
+          <a:gradFill flip="none" rotWithShape="1">
+            <a:gsLst>
+              <a:gs pos="0">
+                <a:schemeClr val="accent5">
+                  <a:lumMod val="40000"/>
+                  <a:lumOff val="60000"/>
+                </a:schemeClr>
+              </a:gs>
+              <a:gs pos="46000">
+                <a:schemeClr val="accent5">
+                  <a:lumMod val="95000"/>
+                  <a:lumOff val="5000"/>
+                </a:schemeClr>
+              </a:gs>
+              <a:gs pos="100000">
+                <a:schemeClr val="accent5">
+                  <a:lumMod val="60000"/>
+                </a:schemeClr>
+              </a:gs>
+            </a:gsLst>
+            <a:path path="circle">
+              <a:fillToRect l="50000" t="130000" r="50000" b="-30000"/>
+            </a:path>
+            <a:tileRect/>
+          </a:gradFill>
+        </p:spPr>
+        <p:style>
+          <a:lnRef idx="2">
+            <a:schemeClr val="accent1">
+              <a:shade val="50000"/>
+            </a:schemeClr>
+          </a:lnRef>
+          <a:fillRef idx="1">
+            <a:schemeClr val="accent1"/>
+          </a:fillRef>
+          <a:effectRef idx="0">
+            <a:schemeClr val="accent1"/>
+          </a:effectRef>
+          <a:fontRef idx="minor">
+            <a:schemeClr val="lt1"/>
+          </a:fontRef>
+        </p:style>
+        <p:txBody>
+          <a:bodyPr rtlCol="0" anchor="ctr"/>
+          <a:lstStyle/>
+          <a:p>
+            <a:pPr algn="ctr"/>
+            <a:r>
+              <a:rPr lang="en-IN" dirty="0"/>
+              <a:t>Slave2: Ansible Host</a:t>
+            </a:r>
+          </a:p>
+        </p:txBody>
+      </p:sp>
+      <p:sp>
+        <p:nvSpPr>
+          <p:cNvPr id="7" name="Rectangle: Rounded Corners 6">
+            <a:extLst>
+              <a:ext uri="{FF2B5EF4-FFF2-40B4-BE49-F238E27FC236}">
+                <a16:creationId xmlns:a16="http://schemas.microsoft.com/office/drawing/2014/main" id="{4F013220-2252-47A1-AAB5-6DC39B68DAF1}"/>
+              </a:ext>
+            </a:extLst>
+          </p:cNvPr>
+          <p:cNvSpPr/>
+          <p:nvPr/>
+        </p:nvSpPr>
+        <p:spPr>
+          <a:xfrm>
+            <a:off x="7047270" y="5914565"/>
+            <a:ext cx="2374488" cy="475634"/>
+          </a:xfrm>
+          <a:prstGeom prst="roundRect">
+            <a:avLst/>
+          </a:prstGeom>
+          <a:gradFill flip="none" rotWithShape="1">
+            <a:gsLst>
+              <a:gs pos="0">
+                <a:schemeClr val="accent5">
+                  <a:lumMod val="40000"/>
+                  <a:lumOff val="60000"/>
+                </a:schemeClr>
+              </a:gs>
+              <a:gs pos="46000">
+                <a:schemeClr val="accent5">
+                  <a:lumMod val="95000"/>
+                  <a:lumOff val="5000"/>
+                </a:schemeClr>
+              </a:gs>
+              <a:gs pos="100000">
+                <a:schemeClr val="accent5">
+                  <a:lumMod val="60000"/>
+                </a:schemeClr>
+              </a:gs>
+            </a:gsLst>
+            <a:path path="circle">
+              <a:fillToRect l="50000" t="130000" r="50000" b="-30000"/>
+            </a:path>
+            <a:tileRect/>
+          </a:gradFill>
+        </p:spPr>
+        <p:style>
+          <a:lnRef idx="2">
+            <a:schemeClr val="accent1">
+              <a:shade val="50000"/>
+            </a:schemeClr>
+          </a:lnRef>
+          <a:fillRef idx="1">
+            <a:schemeClr val="accent1"/>
+          </a:fillRef>
+          <a:effectRef idx="0">
+            <a:schemeClr val="accent1"/>
+          </a:effectRef>
+          <a:fontRef idx="minor">
+            <a:schemeClr val="lt1"/>
+          </a:fontRef>
+        </p:style>
+        <p:txBody>
+          <a:bodyPr rtlCol="0" anchor="ctr"/>
+          <a:lstStyle/>
+          <a:p>
+            <a:pPr algn="ctr"/>
+            <a:r>
+              <a:rPr lang="en-IN" dirty="0"/>
+              <a:t>a-slave: Target Host</a:t>
+            </a:r>
+          </a:p>
+        </p:txBody>
+      </p:sp>
+      <p:graphicFrame>
+        <p:nvGraphicFramePr>
+          <p:cNvPr id="9" name="Diagram 8">
+            <a:extLst>
+              <a:ext uri="{FF2B5EF4-FFF2-40B4-BE49-F238E27FC236}">
+                <a16:creationId xmlns:a16="http://schemas.microsoft.com/office/drawing/2014/main" id="{D92995F1-291E-499D-8AB5-E74EF1FB7F90}"/>
+              </a:ext>
+            </a:extLst>
+          </p:cNvPr>
+          <p:cNvGraphicFramePr/>
+          <p:nvPr>
+            <p:extLst>
+              <p:ext uri="{D42A27DB-BD31-4B8C-83A1-F6EECF244321}">
+                <p14:modId xmlns:p14="http://schemas.microsoft.com/office/powerpoint/2010/main" val="494152383"/>
+              </p:ext>
+            </p:extLst>
+          </p:nvPr>
+        </p:nvGraphicFramePr>
+        <p:xfrm>
+          <a:off x="6312308" y="4784717"/>
+          <a:ext cx="3696932" cy="707923"/>
+        </p:xfrm>
+        <a:graphic>
+          <a:graphicData uri="http://schemas.openxmlformats.org/drawingml/2006/diagram">
+            <dgm:relIds xmlns:dgm="http://schemas.openxmlformats.org/drawingml/2006/diagram" xmlns:r="http://schemas.openxmlformats.org/officeDocument/2006/relationships" r:dm="rId7" r:lo="rId8" r:qs="rId9" r:cs="rId10"/>
+          </a:graphicData>
+        </a:graphic>
+      </p:graphicFrame>
+      <p:sp>
+        <p:nvSpPr>
+          <p:cNvPr id="10" name="Arrow: Down 9">
+            <a:extLst>
+              <a:ext uri="{FF2B5EF4-FFF2-40B4-BE49-F238E27FC236}">
+                <a16:creationId xmlns:a16="http://schemas.microsoft.com/office/drawing/2014/main" id="{F7D3C3E4-84DD-40DC-8F4A-356054F4FEE2}"/>
+              </a:ext>
+            </a:extLst>
+          </p:cNvPr>
+          <p:cNvSpPr/>
+          <p:nvPr/>
+        </p:nvSpPr>
+        <p:spPr>
+          <a:xfrm>
+            <a:off x="7939547" y="4503556"/>
+            <a:ext cx="432620" cy="310658"/>
+          </a:xfrm>
+          <a:prstGeom prst="downArrow">
+            <a:avLst/>
+          </a:prstGeom>
+          <a:solidFill>
+            <a:srgbClr val="8064A2">
+              <a:hueOff val="-3348577"/>
+              <a:satOff val="20174"/>
+              <a:lumOff val="1617"/>
+              <a:alphaOff val="0"/>
+            </a:srgbClr>
+          </a:solidFill>
+          <a:ln>
+            <a:noFill/>
+          </a:ln>
+          <a:effectLst/>
+          <a:scene3d>
+            <a:camera prst="orthographicFront">
+              <a:rot lat="0" lon="0" rev="0"/>
+            </a:camera>
+            <a:lightRig rig="contrasting" dir="t">
+              <a:rot lat="0" lon="0" rev="1200000"/>
+            </a:lightRig>
+          </a:scene3d>
+          <a:sp3d z="-182000" contourW="19050" prstMaterial="metal">
+            <a:bevelT w="88900" h="203200"/>
+            <a:bevelB w="165100" h="254000"/>
+          </a:sp3d>
+        </p:spPr>
+        <p:txBody>
+          <a:bodyPr spcFirstLastPara="0" vert="horz" wrap="square" lIns="0" tIns="0" rIns="0" bIns="0" numCol="1" spcCol="1270" anchor="ctr" anchorCtr="0">
+            <a:noAutofit/>
+          </a:bodyPr>
+          <a:lstStyle/>
+          <a:p>
+            <a:endParaRPr lang="en-IN"/>
+          </a:p>
+        </p:txBody>
+      </p:sp>
     </p:spTree>
   </p:cSld>
   <p:clrMapOvr>
